--- a/FIFO-RSHD.pptx
+++ b/FIFO-RSHD.pptx
@@ -29,7 +29,7 @@
     <p:sldId id="267" r:id="rId24"/>
   </p:sldIdLst>
   <p:sldSz cx="9144000" cy="5143500"/>
-  <p:notesSz cx="6858000" cy="9144000"/>
+  <p:notesSz cx="7559675" cy="10691813"/>
 </p:presentation>
 </file>
 
@@ -78,10 +78,10 @@
             <a:noAutofit/>
           </a:bodyPr>
           <a:p>
-            <a:pPr indent="0">
+            <a:pPr indent="0" algn="ctr">
               <a:buNone/>
             </a:pPr>
-            <a:endParaRPr b="0" lang="en-US" sz="1400" spc="-1" strike="noStrike">
+            <a:endParaRPr b="0" lang="en-US" sz="4400" spc="-1" strike="noStrike">
               <a:solidFill>
                 <a:srgbClr val="000000"/>
               </a:solidFill>
@@ -144,7 +144,7 @@
         <p:txBody>
           <a:bodyPr/>
           <a:p>
-            <a:fld id="{4E2E4A9C-58AF-46F0-B41F-057B23E72219}" type="slidenum">
+            <a:fld id="{544768AE-1B46-49D0-9B84-9CD8BBCD412D}" type="slidenum">
               <a:t>&lt;#&gt;</a:t>
             </a:fld>
           </a:p>
@@ -186,7 +186,7 @@
         <p:txBody>
           <a:bodyPr/>
           <a:p>
-            <a:fld id="{8BE462E2-01F9-4DDC-A6C9-FB47AD912742}" type="slidenum">
+            <a:fld id="{7CBE61CA-5BDD-4BF4-9A5B-D4EC828A6EF9}" type="slidenum">
               <a:t>&lt;#&gt;</a:t>
             </a:fld>
           </a:p>
@@ -228,7 +228,7 @@
         <p:txBody>
           <a:bodyPr/>
           <a:p>
-            <a:fld id="{23F8BF6D-CF98-4968-945A-B10C531E53EF}" type="slidenum">
+            <a:fld id="{714BB0B3-0EC2-4786-A908-F7B7CAE7794C}" type="slidenum">
               <a:t>&lt;#&gt;</a:t>
             </a:fld>
           </a:p>
@@ -270,7 +270,7 @@
         <p:txBody>
           <a:bodyPr/>
           <a:p>
-            <a:fld id="{957AEB10-B4AF-4B90-8D91-60AE46E3008D}" type="slidenum">
+            <a:fld id="{675FD577-D81A-4C28-82FD-3313A19B30D7}" type="slidenum">
               <a:t>&lt;#&gt;</a:t>
             </a:fld>
           </a:p>
@@ -312,7 +312,7 @@
         <p:txBody>
           <a:bodyPr/>
           <a:p>
-            <a:fld id="{796EDD52-688C-476C-B149-2D616F144B37}" type="slidenum">
+            <a:fld id="{84B13CD6-D2CE-40E7-9CC1-091487E6F102}" type="slidenum">
               <a:t>&lt;#&gt;</a:t>
             </a:fld>
           </a:p>
@@ -354,7 +354,7 @@
         <p:txBody>
           <a:bodyPr/>
           <a:p>
-            <a:fld id="{15179BE8-6175-4413-B150-72F88B93C11E}" type="slidenum">
+            <a:fld id="{7C6C2E39-DF4E-4E6B-AEC6-1027B5E181DF}" type="slidenum">
               <a:t>&lt;#&gt;</a:t>
             </a:fld>
           </a:p>
@@ -384,7 +384,7 @@
       </p:grpSpPr>
       <p:sp>
         <p:nvSpPr>
-          <p:cNvPr id="16" name="PlaceHolder 1"/>
+          <p:cNvPr id="13" name="PlaceHolder 1"/>
           <p:cNvSpPr>
             <a:spLocks noGrp="1"/>
           </p:cNvSpPr>
@@ -410,10 +410,10 @@
             <a:noAutofit/>
           </a:bodyPr>
           <a:p>
-            <a:pPr indent="0">
+            <a:pPr indent="0" algn="ctr">
               <a:buNone/>
             </a:pPr>
-            <a:endParaRPr b="0" lang="en-US" sz="1400" spc="-1" strike="noStrike">
+            <a:endParaRPr b="0" lang="en-US" sz="4400" spc="-1" strike="noStrike">
               <a:solidFill>
                 <a:srgbClr val="000000"/>
               </a:solidFill>
@@ -424,7 +424,7 @@
       </p:sp>
       <p:sp>
         <p:nvSpPr>
-          <p:cNvPr id="17" name="PlaceHolder 2"/>
+          <p:cNvPr id="14" name="PlaceHolder 2"/>
           <p:cNvSpPr>
             <a:spLocks noGrp="1"/>
           </p:cNvSpPr>
@@ -456,7 +456,7 @@
               </a:spcBef>
               <a:buNone/>
             </a:pPr>
-            <a:endParaRPr b="0" lang="en-US" sz="1400" spc="-1" strike="noStrike">
+            <a:endParaRPr b="0" lang="en-US" sz="3200" spc="-1" strike="noStrike">
               <a:solidFill>
                 <a:srgbClr val="000000"/>
               </a:solidFill>
@@ -479,7 +479,7 @@
         <p:txBody>
           <a:bodyPr/>
           <a:p>
-            <a:fld id="{3F494F3E-222A-4262-9577-9EEC0A755A8B}" type="slidenum">
+            <a:fld id="{70941EDF-D43E-4571-9AC6-06E88D6B62FC}" type="slidenum">
               <a:t>&lt;#&gt;</a:t>
             </a:fld>
           </a:p>
@@ -509,7 +509,7 @@
       </p:grpSpPr>
       <p:sp>
         <p:nvSpPr>
-          <p:cNvPr id="22" name="PlaceHolder 1"/>
+          <p:cNvPr id="19" name="PlaceHolder 1"/>
           <p:cNvSpPr>
             <a:spLocks noGrp="1"/>
           </p:cNvSpPr>
@@ -535,10 +535,10 @@
             <a:noAutofit/>
           </a:bodyPr>
           <a:p>
-            <a:pPr indent="0">
+            <a:pPr indent="0" algn="ctr">
               <a:buNone/>
             </a:pPr>
-            <a:endParaRPr b="0" lang="en-US" sz="1400" spc="-1" strike="noStrike">
+            <a:endParaRPr b="0" lang="en-US" sz="4400" spc="-1" strike="noStrike">
               <a:solidFill>
                 <a:srgbClr val="000000"/>
               </a:solidFill>
@@ -549,7 +549,7 @@
       </p:sp>
       <p:sp>
         <p:nvSpPr>
-          <p:cNvPr id="23" name="PlaceHolder 2"/>
+          <p:cNvPr id="20" name="PlaceHolder 2"/>
           <p:cNvSpPr>
             <a:spLocks noGrp="1"/>
           </p:cNvSpPr>
@@ -581,7 +581,7 @@
               </a:spcBef>
               <a:buNone/>
             </a:pPr>
-            <a:endParaRPr b="0" lang="en-US" sz="1400" spc="-1" strike="noStrike">
+            <a:endParaRPr b="0" lang="en-US" sz="3200" spc="-1" strike="noStrike">
               <a:solidFill>
                 <a:srgbClr val="000000"/>
               </a:solidFill>
@@ -592,7 +592,7 @@
       </p:sp>
       <p:sp>
         <p:nvSpPr>
-          <p:cNvPr id="24" name="PlaceHolder 3"/>
+          <p:cNvPr id="21" name="PlaceHolder 3"/>
           <p:cNvSpPr>
             <a:spLocks noGrp="1"/>
           </p:cNvSpPr>
@@ -624,7 +624,7 @@
               </a:spcBef>
               <a:buNone/>
             </a:pPr>
-            <a:endParaRPr b="0" lang="en-US" sz="1400" spc="-1" strike="noStrike">
+            <a:endParaRPr b="0" lang="en-US" sz="3200" spc="-1" strike="noStrike">
               <a:solidFill>
                 <a:srgbClr val="000000"/>
               </a:solidFill>
@@ -647,7 +647,7 @@
         <p:txBody>
           <a:bodyPr/>
           <a:p>
-            <a:fld id="{5751D845-0978-4703-9CD1-93C5E630A640}" type="slidenum">
+            <a:fld id="{30D6263A-FE23-4513-A20F-B7DCAB8F5540}" type="slidenum">
               <a:t>&lt;#&gt;</a:t>
             </a:fld>
           </a:p>
@@ -677,7 +677,7 @@
       </p:grpSpPr>
       <p:sp>
         <p:nvSpPr>
-          <p:cNvPr id="27" name="PlaceHolder 1"/>
+          <p:cNvPr id="24" name="PlaceHolder 1"/>
           <p:cNvSpPr>
             <a:spLocks noGrp="1"/>
           </p:cNvSpPr>
@@ -703,10 +703,10 @@
             <a:noAutofit/>
           </a:bodyPr>
           <a:p>
-            <a:pPr indent="0">
+            <a:pPr indent="0" algn="ctr">
               <a:buNone/>
             </a:pPr>
-            <a:endParaRPr b="0" lang="en-US" sz="1400" spc="-1" strike="noStrike">
+            <a:endParaRPr b="0" lang="en-US" sz="4400" spc="-1" strike="noStrike">
               <a:solidFill>
                 <a:srgbClr val="000000"/>
               </a:solidFill>
@@ -729,7 +729,7 @@
         <p:txBody>
           <a:bodyPr/>
           <a:p>
-            <a:fld id="{1CF46ABA-B263-4188-B218-71D98064CE2A}" type="slidenum">
+            <a:fld id="{E8407DFA-72CD-4C19-8FF3-03944320E39D}" type="slidenum">
               <a:t>&lt;#&gt;</a:t>
             </a:fld>
           </a:p>
@@ -771,7 +771,7 @@
         <p:txBody>
           <a:bodyPr/>
           <a:p>
-            <a:fld id="{E52E0F79-D703-48F7-A2A2-6CF325AA0F4F}" type="slidenum">
+            <a:fld id="{0FAAFE92-22C1-4113-BD93-1F0766B6EBEE}" type="slidenum">
               <a:t>&lt;#&gt;</a:t>
             </a:fld>
           </a:p>
@@ -813,7 +813,7 @@
         <p:txBody>
           <a:bodyPr/>
           <a:p>
-            <a:fld id="{828CA715-0E5C-4CA9-B8B9-B711D41EECD7}" type="slidenum">
+            <a:fld id="{47C1EB67-C996-4FD6-9A2B-B3A2F38F3F6D}" type="slidenum">
               <a:t>&lt;#&gt;</a:t>
             </a:fld>
           </a:p>
@@ -860,8 +860,8 @@
         </p:nvSpPr>
         <p:spPr>
           <a:xfrm>
-            <a:off x="311760" y="744480"/>
-            <a:ext cx="8520120" cy="2052360"/>
+            <a:off x="457200" y="205200"/>
+            <a:ext cx="8228880" cy="858240"/>
           </a:xfrm>
           <a:prstGeom prst="rect">
             <a:avLst/>
@@ -872,41 +872,23 @@
           </a:ln>
         </p:spPr>
         <p:txBody>
-          <a:bodyPr lIns="91440" rIns="91440" tIns="91440" bIns="91440" anchor="b">
-            <a:normAutofit/>
+          <a:bodyPr lIns="0" rIns="0" tIns="0" bIns="0" anchor="ctr">
+            <a:noAutofit/>
           </a:bodyPr>
           <a:p>
             <a:pPr indent="0">
               <a:buNone/>
             </a:pPr>
             <a:r>
-              <a:rPr b="0" lang="en-US" sz="5200" spc="-1" strike="noStrike">
+              <a:rPr b="0" lang="en-US" sz="1800" spc="-1" strike="noStrike">
                 <a:solidFill>
                   <a:srgbClr val="000000"/>
                 </a:solidFill>
                 <a:latin typeface="Arial"/>
               </a:rPr>
-              <a:t>Click to edit </a:t>
-            </a:r>
-            <a:r>
-              <a:rPr b="0" lang="en-US" sz="5200" spc="-1" strike="noStrike">
-                <a:solidFill>
-                  <a:srgbClr val="000000"/>
-                </a:solidFill>
-                <a:latin typeface="Arial"/>
-              </a:rPr>
-              <a:t>the title text </a:t>
-            </a:r>
-            <a:r>
-              <a:rPr b="0" lang="en-US" sz="5200" spc="-1" strike="noStrike">
-                <a:solidFill>
-                  <a:srgbClr val="000000"/>
-                </a:solidFill>
-                <a:latin typeface="Arial"/>
-              </a:rPr>
-              <a:t>format</a:t>
-            </a:r>
-            <a:endParaRPr b="0" lang="en-US" sz="5200" spc="-1" strike="noStrike">
+              <a:t>Click to edit the title text format</a:t>
+            </a:r>
+            <a:endParaRPr b="0" lang="en-US" sz="1800" spc="-1" strike="noStrike">
               <a:solidFill>
                 <a:srgbClr val="000000"/>
               </a:solidFill>
@@ -928,7 +910,7 @@
         <p:spPr>
           <a:xfrm>
             <a:off x="8472600" y="4663080"/>
-            <a:ext cx="548280" cy="393120"/>
+            <a:ext cx="547920" cy="392760"/>
           </a:xfrm>
           <a:prstGeom prst="rect">
             <a:avLst/>
@@ -940,7 +922,7 @@
         </p:spPr>
         <p:txBody>
           <a:bodyPr lIns="91440" rIns="91440" tIns="91440" bIns="91440" anchor="ctr">
-            <a:normAutofit/>
+            <a:noAutofit/>
           </a:bodyPr>
           <a:lstStyle>
             <a:lvl1pPr indent="0" algn="r">
@@ -970,7 +952,7 @@
                 <a:tab algn="l" pos="0"/>
               </a:tabLst>
             </a:pPr>
-            <a:fld id="{EA491781-87D0-4FB9-84A1-BC2E99ED022B}" type="slidenum">
+            <a:fld id="{710C2460-C8F5-4AC5-A860-B24C96AC17BF}" type="slidenum">
               <a:rPr b="0" lang="en" sz="1000" spc="-1" strike="noStrike">
                 <a:solidFill>
                   <a:schemeClr val="dk2"/>
@@ -1029,15 +1011,24 @@
               <a:buChar char=""/>
             </a:pPr>
             <a:r>
-              <a:rPr b="0" lang="en-US" sz="1400" spc="-1" strike="noStrike">
+              <a:rPr b="0" lang="en-US" sz="3200" spc="-1" strike="noStrike">
                 <a:solidFill>
                   <a:srgbClr val="000000"/>
                 </a:solidFill>
                 <a:latin typeface="Arial"/>
               </a:rPr>
-              <a:t>Click to edit the outline text format</a:t>
-            </a:r>
-            <a:endParaRPr b="0" lang="en-US" sz="1400" spc="-1" strike="noStrike">
+              <a:t>Click to edit the </a:t>
+            </a:r>
+            <a:r>
+              <a:rPr b="0" lang="en-US" sz="3200" spc="-1" strike="noStrike">
+                <a:solidFill>
+                  <a:srgbClr val="000000"/>
+                </a:solidFill>
+                <a:latin typeface="Arial"/>
+              </a:rPr>
+              <a:t>outline text format</a:t>
+            </a:r>
+            <a:endParaRPr b="0" lang="en-US" sz="3200" spc="-1" strike="noStrike">
               <a:solidFill>
                 <a:srgbClr val="000000"/>
               </a:solidFill>
@@ -1057,7 +1048,7 @@
               <a:buChar char=""/>
             </a:pPr>
             <a:r>
-              <a:rPr b="0" lang="en-US" sz="1400" spc="-1" strike="noStrike">
+              <a:rPr b="0" lang="en-US" sz="2800" spc="-1" strike="noStrike">
                 <a:solidFill>
                   <a:srgbClr val="000000"/>
                 </a:solidFill>
@@ -1065,7 +1056,7 @@
               </a:rPr>
               <a:t>Second Outline Level</a:t>
             </a:r>
-            <a:endParaRPr b="0" lang="en-US" sz="1400" spc="-1" strike="noStrike">
+            <a:endParaRPr b="0" lang="en-US" sz="2800" spc="-1" strike="noStrike">
               <a:solidFill>
                 <a:srgbClr val="000000"/>
               </a:solidFill>
@@ -1085,7 +1076,7 @@
               <a:buChar char=""/>
             </a:pPr>
             <a:r>
-              <a:rPr b="0" lang="en-US" sz="1400" spc="-1" strike="noStrike">
+              <a:rPr b="0" lang="en-US" sz="2400" spc="-1" strike="noStrike">
                 <a:solidFill>
                   <a:srgbClr val="000000"/>
                 </a:solidFill>
@@ -1093,7 +1084,7 @@
               </a:rPr>
               <a:t>Third Outline Level</a:t>
             </a:r>
-            <a:endParaRPr b="0" lang="en-US" sz="1400" spc="-1" strike="noStrike">
+            <a:endParaRPr b="0" lang="en-US" sz="2400" spc="-1" strike="noStrike">
               <a:solidFill>
                 <a:srgbClr val="000000"/>
               </a:solidFill>
@@ -1113,7 +1104,7 @@
               <a:buChar char=""/>
             </a:pPr>
             <a:r>
-              <a:rPr b="0" lang="en-US" sz="1400" spc="-1" strike="noStrike">
+              <a:rPr b="0" lang="en-US" sz="2000" spc="-1" strike="noStrike">
                 <a:solidFill>
                   <a:srgbClr val="000000"/>
                 </a:solidFill>
@@ -1121,7 +1112,7 @@
               </a:rPr>
               <a:t>Fourth Outline Level</a:t>
             </a:r>
-            <a:endParaRPr b="0" lang="en-US" sz="1400" spc="-1" strike="noStrike">
+            <a:endParaRPr b="0" lang="en-US" sz="2000" spc="-1" strike="noStrike">
               <a:solidFill>
                 <a:srgbClr val="000000"/>
               </a:solidFill>
@@ -1175,7 +1166,16 @@
                 </a:solidFill>
                 <a:latin typeface="Arial"/>
               </a:rPr>
-              <a:t>Sixth Outline Level</a:t>
+              <a:t>Sixth Outline </a:t>
+            </a:r>
+            <a:r>
+              <a:rPr b="0" lang="en-US" sz="2000" spc="-1" strike="noStrike">
+                <a:solidFill>
+                  <a:srgbClr val="000000"/>
+                </a:solidFill>
+                <a:latin typeface="Arial"/>
+              </a:rPr>
+              <a:t>Level</a:t>
             </a:r>
             <a:endParaRPr b="0" lang="en-US" sz="2000" spc="-1" strike="noStrike">
               <a:solidFill>
@@ -1203,7 +1203,25 @@
                 </a:solidFill>
                 <a:latin typeface="Arial"/>
               </a:rPr>
-              <a:t>Seventh Outline Level</a:t>
+              <a:t>Seventh </a:t>
+            </a:r>
+            <a:r>
+              <a:rPr b="0" lang="en-US" sz="2000" spc="-1" strike="noStrike">
+                <a:solidFill>
+                  <a:srgbClr val="000000"/>
+                </a:solidFill>
+                <a:latin typeface="Arial"/>
+              </a:rPr>
+              <a:t>Outline </a:t>
+            </a:r>
+            <a:r>
+              <a:rPr b="0" lang="en-US" sz="2000" spc="-1" strike="noStrike">
+                <a:solidFill>
+                  <a:srgbClr val="000000"/>
+                </a:solidFill>
+                <a:latin typeface="Arial"/>
+              </a:rPr>
+              <a:t>Level</a:t>
             </a:r>
             <a:endParaRPr b="0" lang="en-US" sz="2000" spc="-1" strike="noStrike">
               <a:solidFill>
@@ -1249,14 +1267,14 @@
       </p:grpSpPr>
       <p:sp>
         <p:nvSpPr>
-          <p:cNvPr id="33" name="Google Shape;36;p9"/>
+          <p:cNvPr id="27" name="Google Shape;36;p9"/>
           <p:cNvSpPr/>
           <p:nvPr/>
         </p:nvSpPr>
         <p:spPr>
           <a:xfrm>
             <a:off x="4572000" y="0"/>
-            <a:ext cx="4571640" cy="5143320"/>
+            <a:ext cx="4571280" cy="5142960"/>
           </a:xfrm>
           <a:prstGeom prst="rect">
             <a:avLst/>
@@ -1275,7 +1293,7 @@
           <a:fontRef idx="minor"/>
         </p:style>
         <p:txBody>
-          <a:bodyPr tIns="91440" bIns="91440" anchor="ctr">
+          <a:bodyPr lIns="90000" rIns="90000" tIns="91440" bIns="91440" anchor="ctr">
             <a:noAutofit/>
           </a:bodyPr>
           <a:p>
@@ -1298,67 +1316,18 @@
       </p:sp>
       <p:sp>
         <p:nvSpPr>
-          <p:cNvPr id="34" name="PlaceHolder 1"/>
+          <p:cNvPr id="28" name="PlaceHolder 1"/>
           <p:cNvSpPr>
             <a:spLocks noGrp="1"/>
           </p:cNvSpPr>
           <p:nvPr>
-            <p:ph type="title"/>
+            <p:ph type="sldNum" idx="10"/>
           </p:nvPr>
         </p:nvSpPr>
         <p:spPr>
           <a:xfrm>
-            <a:off x="265680" y="1233000"/>
-            <a:ext cx="4044960" cy="1482120"/>
-          </a:xfrm>
-          <a:prstGeom prst="rect">
-            <a:avLst/>
-          </a:prstGeom>
-          <a:noFill/>
-          <a:ln w="0">
-            <a:noFill/>
-          </a:ln>
-        </p:spPr>
-        <p:txBody>
-          <a:bodyPr lIns="91440" rIns="91440" tIns="91440" bIns="91440" anchor="b">
-            <a:normAutofit/>
-          </a:bodyPr>
-          <a:p>
-            <a:pPr indent="0">
-              <a:buNone/>
-            </a:pPr>
-            <a:r>
-              <a:rPr b="0" lang="en-US" sz="4200" spc="-1" strike="noStrike">
-                <a:solidFill>
-                  <a:srgbClr val="000000"/>
-                </a:solidFill>
-                <a:latin typeface="Arial"/>
-              </a:rPr>
-              <a:t>Click to edit the title text format</a:t>
-            </a:r>
-            <a:endParaRPr b="0" lang="en-US" sz="4200" spc="-1" strike="noStrike">
-              <a:solidFill>
-                <a:srgbClr val="000000"/>
-              </a:solidFill>
-              <a:latin typeface="Arial"/>
-            </a:endParaRPr>
-          </a:p>
-        </p:txBody>
-      </p:sp>
-      <p:sp>
-        <p:nvSpPr>
-          <p:cNvPr id="35" name="PlaceHolder 2"/>
-          <p:cNvSpPr>
-            <a:spLocks noGrp="1"/>
-          </p:cNvSpPr>
-          <p:nvPr>
-            <p:ph type="body"/>
-          </p:nvPr>
-        </p:nvSpPr>
-        <p:spPr>
-          <a:xfrm>
-            <a:off x="4939560" y="723960"/>
-            <a:ext cx="3836520" cy="3694680"/>
+            <a:off x="8472600" y="4663080"/>
+            <a:ext cx="547920" cy="392760"/>
           </a:xfrm>
           <a:prstGeom prst="rect">
             <a:avLst/>
@@ -1370,232 +1339,7 @@
         </p:spPr>
         <p:txBody>
           <a:bodyPr lIns="91440" rIns="91440" tIns="91440" bIns="91440" anchor="ctr">
-            <a:normAutofit fontScale="87222" lnSpcReduction="10000"/>
-          </a:bodyPr>
-          <a:p>
-            <a:pPr marL="432000" indent="-324000">
-              <a:spcBef>
-                <a:spcPts val="1417"/>
-              </a:spcBef>
-              <a:buClr>
-                <a:srgbClr val="000000"/>
-              </a:buClr>
-              <a:buSzPct val="45000"/>
-              <a:buFont typeface="Wingdings" charset="2"/>
-              <a:buChar char=""/>
-            </a:pPr>
-            <a:r>
-              <a:rPr b="0" lang="en-US" sz="1800" spc="-1" strike="noStrike">
-                <a:solidFill>
-                  <a:srgbClr val="000000"/>
-                </a:solidFill>
-                <a:latin typeface="Arial"/>
-              </a:rPr>
-              <a:t>Click to edit the outline text format</a:t>
-            </a:r>
-            <a:endParaRPr b="0" lang="en-US" sz="1800" spc="-1" strike="noStrike">
-              <a:solidFill>
-                <a:srgbClr val="000000"/>
-              </a:solidFill>
-              <a:latin typeface="Arial"/>
-            </a:endParaRPr>
-          </a:p>
-          <a:p>
-            <a:pPr lvl="1" marL="864000" indent="-324000">
-              <a:spcBef>
-                <a:spcPts val="1134"/>
-              </a:spcBef>
-              <a:buClr>
-                <a:srgbClr val="000000"/>
-              </a:buClr>
-              <a:buSzPct val="75000"/>
-              <a:buFont typeface="Symbol" charset="2"/>
-              <a:buChar char=""/>
-            </a:pPr>
-            <a:r>
-              <a:rPr b="0" lang="en-US" sz="1800" spc="-1" strike="noStrike">
-                <a:solidFill>
-                  <a:srgbClr val="000000"/>
-                </a:solidFill>
-                <a:latin typeface="Arial"/>
-              </a:rPr>
-              <a:t>Second Outline Level</a:t>
-            </a:r>
-            <a:endParaRPr b="0" lang="en-US" sz="1800" spc="-1" strike="noStrike">
-              <a:solidFill>
-                <a:srgbClr val="000000"/>
-              </a:solidFill>
-              <a:latin typeface="Arial"/>
-            </a:endParaRPr>
-          </a:p>
-          <a:p>
-            <a:pPr lvl="2" marL="1296000" indent="-288000">
-              <a:spcBef>
-                <a:spcPts val="850"/>
-              </a:spcBef>
-              <a:buClr>
-                <a:srgbClr val="000000"/>
-              </a:buClr>
-              <a:buSzPct val="45000"/>
-              <a:buFont typeface="Wingdings" charset="2"/>
-              <a:buChar char=""/>
-            </a:pPr>
-            <a:r>
-              <a:rPr b="0" lang="en-US" sz="1800" spc="-1" strike="noStrike">
-                <a:solidFill>
-                  <a:srgbClr val="000000"/>
-                </a:solidFill>
-                <a:latin typeface="Arial"/>
-              </a:rPr>
-              <a:t>Third Outline Level</a:t>
-            </a:r>
-            <a:endParaRPr b="0" lang="en-US" sz="1800" spc="-1" strike="noStrike">
-              <a:solidFill>
-                <a:srgbClr val="000000"/>
-              </a:solidFill>
-              <a:latin typeface="Arial"/>
-            </a:endParaRPr>
-          </a:p>
-          <a:p>
-            <a:pPr lvl="3" marL="1728000" indent="-216000">
-              <a:spcBef>
-                <a:spcPts val="567"/>
-              </a:spcBef>
-              <a:buClr>
-                <a:srgbClr val="000000"/>
-              </a:buClr>
-              <a:buSzPct val="75000"/>
-              <a:buFont typeface="Symbol" charset="2"/>
-              <a:buChar char=""/>
-            </a:pPr>
-            <a:r>
-              <a:rPr b="0" lang="en-US" sz="1800" spc="-1" strike="noStrike">
-                <a:solidFill>
-                  <a:srgbClr val="000000"/>
-                </a:solidFill>
-                <a:latin typeface="Arial"/>
-              </a:rPr>
-              <a:t>Fourth Outline Level</a:t>
-            </a:r>
-            <a:endParaRPr b="0" lang="en-US" sz="1800" spc="-1" strike="noStrike">
-              <a:solidFill>
-                <a:srgbClr val="000000"/>
-              </a:solidFill>
-              <a:latin typeface="Arial"/>
-            </a:endParaRPr>
-          </a:p>
-          <a:p>
-            <a:pPr lvl="4" marL="2160000" indent="-216000">
-              <a:spcBef>
-                <a:spcPts val="283"/>
-              </a:spcBef>
-              <a:buClr>
-                <a:srgbClr val="000000"/>
-              </a:buClr>
-              <a:buSzPct val="45000"/>
-              <a:buFont typeface="Wingdings" charset="2"/>
-              <a:buChar char=""/>
-            </a:pPr>
-            <a:r>
-              <a:rPr b="0" lang="en-US" sz="1800" spc="-1" strike="noStrike">
-                <a:solidFill>
-                  <a:srgbClr val="000000"/>
-                </a:solidFill>
-                <a:latin typeface="Arial"/>
-              </a:rPr>
-              <a:t>Fifth Outline Level</a:t>
-            </a:r>
-            <a:endParaRPr b="0" lang="en-US" sz="1800" spc="-1" strike="noStrike">
-              <a:solidFill>
-                <a:srgbClr val="000000"/>
-              </a:solidFill>
-              <a:latin typeface="Arial"/>
-            </a:endParaRPr>
-          </a:p>
-          <a:p>
-            <a:pPr lvl="5" marL="2592000" indent="-216000">
-              <a:spcBef>
-                <a:spcPts val="283"/>
-              </a:spcBef>
-              <a:buClr>
-                <a:srgbClr val="000000"/>
-              </a:buClr>
-              <a:buSzPct val="45000"/>
-              <a:buFont typeface="Wingdings" charset="2"/>
-              <a:buChar char=""/>
-            </a:pPr>
-            <a:r>
-              <a:rPr b="0" lang="en-US" sz="1800" spc="-1" strike="noStrike">
-                <a:solidFill>
-                  <a:srgbClr val="000000"/>
-                </a:solidFill>
-                <a:latin typeface="Arial"/>
-              </a:rPr>
-              <a:t>Sixth Outline Level</a:t>
-            </a:r>
-            <a:endParaRPr b="0" lang="en-US" sz="1800" spc="-1" strike="noStrike">
-              <a:solidFill>
-                <a:srgbClr val="000000"/>
-              </a:solidFill>
-              <a:latin typeface="Arial"/>
-            </a:endParaRPr>
-          </a:p>
-          <a:p>
-            <a:pPr lvl="6" marL="3024000" indent="-216000">
-              <a:spcBef>
-                <a:spcPts val="283"/>
-              </a:spcBef>
-              <a:buClr>
-                <a:srgbClr val="000000"/>
-              </a:buClr>
-              <a:buSzPct val="45000"/>
-              <a:buFont typeface="Wingdings" charset="2"/>
-              <a:buChar char=""/>
-            </a:pPr>
-            <a:r>
-              <a:rPr b="0" lang="en-US" sz="1800" spc="-1" strike="noStrike">
-                <a:solidFill>
-                  <a:srgbClr val="000000"/>
-                </a:solidFill>
-                <a:latin typeface="Arial"/>
-              </a:rPr>
-              <a:t>Seventh Outline Level</a:t>
-            </a:r>
-            <a:endParaRPr b="0" lang="en-US" sz="1800" spc="-1" strike="noStrike">
-              <a:solidFill>
-                <a:srgbClr val="000000"/>
-              </a:solidFill>
-              <a:latin typeface="Arial"/>
-            </a:endParaRPr>
-          </a:p>
-        </p:txBody>
-      </p:sp>
-      <p:sp>
-        <p:nvSpPr>
-          <p:cNvPr id="36" name="PlaceHolder 3"/>
-          <p:cNvSpPr>
-            <a:spLocks noGrp="1"/>
-          </p:cNvSpPr>
-          <p:nvPr>
-            <p:ph type="sldNum" idx="10"/>
-          </p:nvPr>
-        </p:nvSpPr>
-        <p:spPr>
-          <a:xfrm>
-            <a:off x="8472600" y="4663080"/>
-            <a:ext cx="548280" cy="393120"/>
-          </a:xfrm>
-          <a:prstGeom prst="rect">
-            <a:avLst/>
-          </a:prstGeom>
-          <a:noFill/>
-          <a:ln w="0">
-            <a:noFill/>
-          </a:ln>
-        </p:spPr>
-        <p:txBody>
-          <a:bodyPr lIns="91440" rIns="91440" tIns="91440" bIns="91440" anchor="ctr">
-            <a:normAutofit/>
+            <a:noAutofit/>
           </a:bodyPr>
           <a:lstStyle>
             <a:lvl1pPr indent="0" algn="r">
@@ -1625,7 +1369,7 @@
                 <a:tab algn="l" pos="0"/>
               </a:tabLst>
             </a:pPr>
-            <a:fld id="{B7730E9B-2B55-4923-B866-201B3CCDB833}" type="slidenum">
+            <a:fld id="{B60C1755-E5D9-4D45-9762-4EC80DE20862}" type="slidenum">
               <a:rPr b="0" lang="en" sz="1000" spc="-1" strike="noStrike">
                 <a:solidFill>
                   <a:schemeClr val="dk2"/>
@@ -1679,18 +1423,18 @@
       </p:grpSpPr>
       <p:sp>
         <p:nvSpPr>
-          <p:cNvPr id="37" name="PlaceHolder 1"/>
+          <p:cNvPr id="29" name="PlaceHolder 1"/>
           <p:cNvSpPr>
             <a:spLocks noGrp="1"/>
           </p:cNvSpPr>
           <p:nvPr>
-            <p:ph type="body"/>
+            <p:ph type="sldNum" idx="11"/>
           </p:nvPr>
         </p:nvSpPr>
         <p:spPr>
           <a:xfrm>
-            <a:off x="311760" y="4230720"/>
-            <a:ext cx="5998320" cy="604800"/>
+            <a:off x="8472600" y="4663080"/>
+            <a:ext cx="547920" cy="392760"/>
           </a:xfrm>
           <a:prstGeom prst="rect">
             <a:avLst/>
@@ -1702,232 +1446,7 @@
         </p:spPr>
         <p:txBody>
           <a:bodyPr lIns="91440" rIns="91440" tIns="91440" bIns="91440" anchor="ctr">
-            <a:normAutofit fontScale="1111"/>
-          </a:bodyPr>
-          <a:p>
-            <a:pPr marL="432000" indent="-324000">
-              <a:spcBef>
-                <a:spcPts val="1417"/>
-              </a:spcBef>
-              <a:buClr>
-                <a:srgbClr val="000000"/>
-              </a:buClr>
-              <a:buSzPct val="45000"/>
-              <a:buFont typeface="Wingdings" charset="2"/>
-              <a:buChar char=""/>
-            </a:pPr>
-            <a:r>
-              <a:rPr b="0" lang="en-US" sz="1800" spc="-1" strike="noStrike">
-                <a:solidFill>
-                  <a:srgbClr val="000000"/>
-                </a:solidFill>
-                <a:latin typeface="Arial"/>
-              </a:rPr>
-              <a:t>Click to edit the outline text format</a:t>
-            </a:r>
-            <a:endParaRPr b="0" lang="en-US" sz="1800" spc="-1" strike="noStrike">
-              <a:solidFill>
-                <a:srgbClr val="000000"/>
-              </a:solidFill>
-              <a:latin typeface="Arial"/>
-            </a:endParaRPr>
-          </a:p>
-          <a:p>
-            <a:pPr lvl="1" marL="864000" indent="-324000">
-              <a:spcBef>
-                <a:spcPts val="1134"/>
-              </a:spcBef>
-              <a:buClr>
-                <a:srgbClr val="000000"/>
-              </a:buClr>
-              <a:buSzPct val="75000"/>
-              <a:buFont typeface="Symbol" charset="2"/>
-              <a:buChar char=""/>
-            </a:pPr>
-            <a:r>
-              <a:rPr b="0" lang="en-US" sz="1800" spc="-1" strike="noStrike">
-                <a:solidFill>
-                  <a:srgbClr val="000000"/>
-                </a:solidFill>
-                <a:latin typeface="Arial"/>
-              </a:rPr>
-              <a:t>Second Outline Level</a:t>
-            </a:r>
-            <a:endParaRPr b="0" lang="en-US" sz="1800" spc="-1" strike="noStrike">
-              <a:solidFill>
-                <a:srgbClr val="000000"/>
-              </a:solidFill>
-              <a:latin typeface="Arial"/>
-            </a:endParaRPr>
-          </a:p>
-          <a:p>
-            <a:pPr lvl="2" marL="1296000" indent="-288000">
-              <a:spcBef>
-                <a:spcPts val="850"/>
-              </a:spcBef>
-              <a:buClr>
-                <a:srgbClr val="000000"/>
-              </a:buClr>
-              <a:buSzPct val="45000"/>
-              <a:buFont typeface="Wingdings" charset="2"/>
-              <a:buChar char=""/>
-            </a:pPr>
-            <a:r>
-              <a:rPr b="0" lang="en-US" sz="1800" spc="-1" strike="noStrike">
-                <a:solidFill>
-                  <a:srgbClr val="000000"/>
-                </a:solidFill>
-                <a:latin typeface="Arial"/>
-              </a:rPr>
-              <a:t>Third Outline Level</a:t>
-            </a:r>
-            <a:endParaRPr b="0" lang="en-US" sz="1800" spc="-1" strike="noStrike">
-              <a:solidFill>
-                <a:srgbClr val="000000"/>
-              </a:solidFill>
-              <a:latin typeface="Arial"/>
-            </a:endParaRPr>
-          </a:p>
-          <a:p>
-            <a:pPr lvl="3" marL="1728000" indent="-216000">
-              <a:spcBef>
-                <a:spcPts val="567"/>
-              </a:spcBef>
-              <a:buClr>
-                <a:srgbClr val="000000"/>
-              </a:buClr>
-              <a:buSzPct val="75000"/>
-              <a:buFont typeface="Symbol" charset="2"/>
-              <a:buChar char=""/>
-            </a:pPr>
-            <a:r>
-              <a:rPr b="0" lang="en-US" sz="1800" spc="-1" strike="noStrike">
-                <a:solidFill>
-                  <a:srgbClr val="000000"/>
-                </a:solidFill>
-                <a:latin typeface="Arial"/>
-              </a:rPr>
-              <a:t>Fourth Outline Level</a:t>
-            </a:r>
-            <a:endParaRPr b="0" lang="en-US" sz="1800" spc="-1" strike="noStrike">
-              <a:solidFill>
-                <a:srgbClr val="000000"/>
-              </a:solidFill>
-              <a:latin typeface="Arial"/>
-            </a:endParaRPr>
-          </a:p>
-          <a:p>
-            <a:pPr lvl="4" marL="2160000" indent="-216000">
-              <a:spcBef>
-                <a:spcPts val="283"/>
-              </a:spcBef>
-              <a:buClr>
-                <a:srgbClr val="000000"/>
-              </a:buClr>
-              <a:buSzPct val="45000"/>
-              <a:buFont typeface="Wingdings" charset="2"/>
-              <a:buChar char=""/>
-            </a:pPr>
-            <a:r>
-              <a:rPr b="0" lang="en-US" sz="1800" spc="-1" strike="noStrike">
-                <a:solidFill>
-                  <a:srgbClr val="000000"/>
-                </a:solidFill>
-                <a:latin typeface="Arial"/>
-              </a:rPr>
-              <a:t>Fifth Outline Level</a:t>
-            </a:r>
-            <a:endParaRPr b="0" lang="en-US" sz="1800" spc="-1" strike="noStrike">
-              <a:solidFill>
-                <a:srgbClr val="000000"/>
-              </a:solidFill>
-              <a:latin typeface="Arial"/>
-            </a:endParaRPr>
-          </a:p>
-          <a:p>
-            <a:pPr lvl="5" marL="2592000" indent="-216000">
-              <a:spcBef>
-                <a:spcPts val="283"/>
-              </a:spcBef>
-              <a:buClr>
-                <a:srgbClr val="000000"/>
-              </a:buClr>
-              <a:buSzPct val="45000"/>
-              <a:buFont typeface="Wingdings" charset="2"/>
-              <a:buChar char=""/>
-            </a:pPr>
-            <a:r>
-              <a:rPr b="0" lang="en-US" sz="1800" spc="-1" strike="noStrike">
-                <a:solidFill>
-                  <a:srgbClr val="000000"/>
-                </a:solidFill>
-                <a:latin typeface="Arial"/>
-              </a:rPr>
-              <a:t>Sixth Outline Level</a:t>
-            </a:r>
-            <a:endParaRPr b="0" lang="en-US" sz="1800" spc="-1" strike="noStrike">
-              <a:solidFill>
-                <a:srgbClr val="000000"/>
-              </a:solidFill>
-              <a:latin typeface="Arial"/>
-            </a:endParaRPr>
-          </a:p>
-          <a:p>
-            <a:pPr lvl="6" marL="3024000" indent="-216000">
-              <a:spcBef>
-                <a:spcPts val="283"/>
-              </a:spcBef>
-              <a:buClr>
-                <a:srgbClr val="000000"/>
-              </a:buClr>
-              <a:buSzPct val="45000"/>
-              <a:buFont typeface="Wingdings" charset="2"/>
-              <a:buChar char=""/>
-            </a:pPr>
-            <a:r>
-              <a:rPr b="0" lang="en-US" sz="1800" spc="-1" strike="noStrike">
-                <a:solidFill>
-                  <a:srgbClr val="000000"/>
-                </a:solidFill>
-                <a:latin typeface="Arial"/>
-              </a:rPr>
-              <a:t>Seventh Outline Level</a:t>
-            </a:r>
-            <a:endParaRPr b="0" lang="en-US" sz="1800" spc="-1" strike="noStrike">
-              <a:solidFill>
-                <a:srgbClr val="000000"/>
-              </a:solidFill>
-              <a:latin typeface="Arial"/>
-            </a:endParaRPr>
-          </a:p>
-        </p:txBody>
-      </p:sp>
-      <p:sp>
-        <p:nvSpPr>
-          <p:cNvPr id="38" name="PlaceHolder 2"/>
-          <p:cNvSpPr>
-            <a:spLocks noGrp="1"/>
-          </p:cNvSpPr>
-          <p:nvPr>
-            <p:ph type="sldNum" idx="11"/>
-          </p:nvPr>
-        </p:nvSpPr>
-        <p:spPr>
-          <a:xfrm>
-            <a:off x="8472600" y="4663080"/>
-            <a:ext cx="548280" cy="393120"/>
-          </a:xfrm>
-          <a:prstGeom prst="rect">
-            <a:avLst/>
-          </a:prstGeom>
-          <a:noFill/>
-          <a:ln w="0">
-            <a:noFill/>
-          </a:ln>
-        </p:spPr>
-        <p:txBody>
-          <a:bodyPr lIns="91440" rIns="91440" tIns="91440" bIns="91440" anchor="ctr">
-            <a:normAutofit/>
+            <a:noAutofit/>
           </a:bodyPr>
           <a:lstStyle>
             <a:lvl1pPr indent="0" algn="r">
@@ -1957,7 +1476,7 @@
                 <a:tab algn="l" pos="0"/>
               </a:tabLst>
             </a:pPr>
-            <a:fld id="{EB3D22B5-76F9-4306-B763-74BBD207AB61}" type="slidenum">
+            <a:fld id="{97751CF0-A1EA-4778-A109-D04AB338321B}" type="slidenum">
               <a:rPr b="0" lang="en" sz="1000" spc="-1" strike="noStrike">
                 <a:solidFill>
                   <a:schemeClr val="dk2"/>
@@ -2016,291 +1535,13 @@
             <a:spLocks noGrp="1"/>
           </p:cNvSpPr>
           <p:nvPr>
-            <p:ph type="title"/>
-          </p:nvPr>
-        </p:nvSpPr>
-        <p:spPr>
-          <a:xfrm>
-            <a:off x="311760" y="1106280"/>
-            <a:ext cx="8520120" cy="1963080"/>
-          </a:xfrm>
-          <a:prstGeom prst="rect">
-            <a:avLst/>
-          </a:prstGeom>
-          <a:noFill/>
-          <a:ln w="0">
-            <a:noFill/>
-          </a:ln>
-        </p:spPr>
-        <p:txBody>
-          <a:bodyPr lIns="91440" rIns="91440" tIns="91440" bIns="91440" anchor="b">
-            <a:normAutofit fontScale="98341"/>
-          </a:bodyPr>
-          <a:p>
-            <a:pPr indent="0" algn="ctr">
-              <a:lnSpc>
-                <a:spcPct val="100000"/>
-              </a:lnSpc>
-              <a:buNone/>
-            </a:pPr>
-            <a:r>
-              <a:rPr b="0" lang="en-US" sz="12000" spc="-1" strike="noStrike">
-                <a:solidFill>
-                  <a:schemeClr val="dk1"/>
-                </a:solidFill>
-                <a:latin typeface="Arial"/>
-                <a:ea typeface="Arial"/>
-              </a:rPr>
-              <a:t>xx%</a:t>
-            </a:r>
-            <a:endParaRPr b="0" lang="en-US" sz="12000" spc="-1" strike="noStrike">
-              <a:solidFill>
-                <a:srgbClr val="000000"/>
-              </a:solidFill>
-              <a:latin typeface="Arial"/>
-            </a:endParaRPr>
-          </a:p>
-        </p:txBody>
-      </p:sp>
-      <p:sp>
-        <p:nvSpPr>
-          <p:cNvPr id="6" name="PlaceHolder 2"/>
-          <p:cNvSpPr>
-            <a:spLocks noGrp="1"/>
-          </p:cNvSpPr>
-          <p:nvPr>
-            <p:ph type="body"/>
-          </p:nvPr>
-        </p:nvSpPr>
-        <p:spPr>
-          <a:xfrm>
-            <a:off x="311760" y="3152160"/>
-            <a:ext cx="8520120" cy="1300320"/>
-          </a:xfrm>
-          <a:prstGeom prst="rect">
-            <a:avLst/>
-          </a:prstGeom>
-          <a:noFill/>
-          <a:ln w="0">
-            <a:noFill/>
-          </a:ln>
-        </p:spPr>
-        <p:txBody>
-          <a:bodyPr lIns="91440" rIns="91440" tIns="91440" bIns="91440" anchor="t">
-            <a:normAutofit fontScale="50000" lnSpcReduction="20000"/>
-          </a:bodyPr>
-          <a:p>
-            <a:pPr marL="432000" indent="-324000">
-              <a:spcBef>
-                <a:spcPts val="1417"/>
-              </a:spcBef>
-              <a:buClr>
-                <a:srgbClr val="000000"/>
-              </a:buClr>
-              <a:buSzPct val="45000"/>
-              <a:buFont typeface="Wingdings" charset="2"/>
-              <a:buChar char=""/>
-            </a:pPr>
-            <a:r>
-              <a:rPr b="0" lang="en-US" sz="1800" spc="-1" strike="noStrike">
-                <a:solidFill>
-                  <a:srgbClr val="000000"/>
-                </a:solidFill>
-                <a:latin typeface="Arial"/>
-              </a:rPr>
-              <a:t>Click to edit the outline text format</a:t>
-            </a:r>
-            <a:endParaRPr b="0" lang="en-US" sz="1800" spc="-1" strike="noStrike">
-              <a:solidFill>
-                <a:srgbClr val="000000"/>
-              </a:solidFill>
-              <a:latin typeface="Arial"/>
-            </a:endParaRPr>
-          </a:p>
-          <a:p>
-            <a:pPr lvl="1" marL="864000" indent="-324000">
-              <a:spcBef>
-                <a:spcPts val="1134"/>
-              </a:spcBef>
-              <a:buClr>
-                <a:srgbClr val="000000"/>
-              </a:buClr>
-              <a:buSzPct val="75000"/>
-              <a:buFont typeface="Symbol" charset="2"/>
-              <a:buChar char=""/>
-            </a:pPr>
-            <a:r>
-              <a:rPr b="0" lang="en-US" sz="1800" spc="-1" strike="noStrike">
-                <a:solidFill>
-                  <a:srgbClr val="000000"/>
-                </a:solidFill>
-                <a:latin typeface="Arial"/>
-              </a:rPr>
-              <a:t>Second Outline Level</a:t>
-            </a:r>
-            <a:endParaRPr b="0" lang="en-US" sz="1800" spc="-1" strike="noStrike">
-              <a:solidFill>
-                <a:srgbClr val="000000"/>
-              </a:solidFill>
-              <a:latin typeface="Arial"/>
-            </a:endParaRPr>
-          </a:p>
-          <a:p>
-            <a:pPr lvl="2" marL="1296000" indent="-288000">
-              <a:spcBef>
-                <a:spcPts val="850"/>
-              </a:spcBef>
-              <a:buClr>
-                <a:srgbClr val="000000"/>
-              </a:buClr>
-              <a:buSzPct val="45000"/>
-              <a:buFont typeface="Wingdings" charset="2"/>
-              <a:buChar char=""/>
-            </a:pPr>
-            <a:r>
-              <a:rPr b="0" lang="en-US" sz="1800" spc="-1" strike="noStrike">
-                <a:solidFill>
-                  <a:srgbClr val="000000"/>
-                </a:solidFill>
-                <a:latin typeface="Arial"/>
-              </a:rPr>
-              <a:t>Third Outline Level</a:t>
-            </a:r>
-            <a:endParaRPr b="0" lang="en-US" sz="1800" spc="-1" strike="noStrike">
-              <a:solidFill>
-                <a:srgbClr val="000000"/>
-              </a:solidFill>
-              <a:latin typeface="Arial"/>
-            </a:endParaRPr>
-          </a:p>
-          <a:p>
-            <a:pPr lvl="3" marL="1728000" indent="-216000">
-              <a:spcBef>
-                <a:spcPts val="567"/>
-              </a:spcBef>
-              <a:buClr>
-                <a:srgbClr val="000000"/>
-              </a:buClr>
-              <a:buSzPct val="75000"/>
-              <a:buFont typeface="Symbol" charset="2"/>
-              <a:buChar char=""/>
-            </a:pPr>
-            <a:r>
-              <a:rPr b="0" lang="en-US" sz="1800" spc="-1" strike="noStrike">
-                <a:solidFill>
-                  <a:srgbClr val="000000"/>
-                </a:solidFill>
-                <a:latin typeface="Arial"/>
-              </a:rPr>
-              <a:t>Fourth Outline Level</a:t>
-            </a:r>
-            <a:endParaRPr b="0" lang="en-US" sz="1800" spc="-1" strike="noStrike">
-              <a:solidFill>
-                <a:srgbClr val="000000"/>
-              </a:solidFill>
-              <a:latin typeface="Arial"/>
-            </a:endParaRPr>
-          </a:p>
-          <a:p>
-            <a:pPr lvl="4" marL="2160000" indent="-216000">
-              <a:spcBef>
-                <a:spcPts val="283"/>
-              </a:spcBef>
-              <a:buClr>
-                <a:srgbClr val="000000"/>
-              </a:buClr>
-              <a:buSzPct val="45000"/>
-              <a:buFont typeface="Wingdings" charset="2"/>
-              <a:buChar char=""/>
-            </a:pPr>
-            <a:r>
-              <a:rPr b="0" lang="en-US" sz="1800" spc="-1" strike="noStrike">
-                <a:solidFill>
-                  <a:srgbClr val="000000"/>
-                </a:solidFill>
-                <a:latin typeface="Arial"/>
-              </a:rPr>
-              <a:t>Fifth Outline Level</a:t>
-            </a:r>
-            <a:endParaRPr b="0" lang="en-US" sz="1800" spc="-1" strike="noStrike">
-              <a:solidFill>
-                <a:srgbClr val="000000"/>
-              </a:solidFill>
-              <a:latin typeface="Arial"/>
-            </a:endParaRPr>
-          </a:p>
-          <a:p>
-            <a:pPr lvl="5" marL="2592000" indent="-216000">
-              <a:spcBef>
-                <a:spcPts val="283"/>
-              </a:spcBef>
-              <a:buClr>
-                <a:srgbClr val="000000"/>
-              </a:buClr>
-              <a:buSzPct val="45000"/>
-              <a:buFont typeface="Wingdings" charset="2"/>
-              <a:buChar char=""/>
-            </a:pPr>
-            <a:r>
-              <a:rPr b="0" lang="en-US" sz="1800" spc="-1" strike="noStrike">
-                <a:solidFill>
-                  <a:srgbClr val="000000"/>
-                </a:solidFill>
-                <a:latin typeface="Arial"/>
-              </a:rPr>
-              <a:t>Sixth Outline Level</a:t>
-            </a:r>
-            <a:endParaRPr b="0" lang="en-US" sz="1800" spc="-1" strike="noStrike">
-              <a:solidFill>
-                <a:srgbClr val="000000"/>
-              </a:solidFill>
-              <a:latin typeface="Arial"/>
-            </a:endParaRPr>
-          </a:p>
-          <a:p>
-            <a:pPr lvl="6" marL="3024000" indent="-216000">
-              <a:spcBef>
-                <a:spcPts val="283"/>
-              </a:spcBef>
-              <a:buClr>
-                <a:srgbClr val="000000"/>
-              </a:buClr>
-              <a:buSzPct val="45000"/>
-              <a:buFont typeface="Wingdings" charset="2"/>
-              <a:buChar char=""/>
-            </a:pPr>
-            <a:r>
-              <a:rPr b="0" lang="en-US" sz="1800" spc="-1" strike="noStrike">
-                <a:solidFill>
-                  <a:srgbClr val="000000"/>
-                </a:solidFill>
-                <a:latin typeface="Arial"/>
-              </a:rPr>
-              <a:t>Seventh Outline Level</a:t>
-            </a:r>
-            <a:endParaRPr b="0" lang="en-US" sz="1800" spc="-1" strike="noStrike">
-              <a:solidFill>
-                <a:srgbClr val="000000"/>
-              </a:solidFill>
-              <a:latin typeface="Arial"/>
-            </a:endParaRPr>
-          </a:p>
-        </p:txBody>
-      </p:sp>
-      <p:sp>
-        <p:nvSpPr>
-          <p:cNvPr id="7" name="PlaceHolder 3"/>
-          <p:cNvSpPr>
-            <a:spLocks noGrp="1"/>
-          </p:cNvSpPr>
-          <p:nvPr>
             <p:ph type="sldNum" idx="2"/>
           </p:nvPr>
         </p:nvSpPr>
         <p:spPr>
           <a:xfrm>
             <a:off x="8472600" y="4663080"/>
-            <a:ext cx="548280" cy="393120"/>
+            <a:ext cx="547920" cy="392760"/>
           </a:xfrm>
           <a:prstGeom prst="rect">
             <a:avLst/>
@@ -2312,7 +1553,7 @@
         </p:spPr>
         <p:txBody>
           <a:bodyPr lIns="91440" rIns="91440" tIns="91440" bIns="91440" anchor="ctr">
-            <a:normAutofit/>
+            <a:noAutofit/>
           </a:bodyPr>
           <a:lstStyle>
             <a:lvl1pPr indent="0" algn="r">
@@ -2342,7 +1583,7 @@
                 <a:tab algn="l" pos="0"/>
               </a:tabLst>
             </a:pPr>
-            <a:fld id="{FF519E5F-9A9E-4ACA-84A4-21D32ADEEB8C}" type="slidenum">
+            <a:fld id="{5BDB49CA-4AF1-4160-8663-646B7BAF0231}" type="slidenum">
               <a:rPr b="0" lang="en" sz="1000" spc="-1" strike="noStrike">
                 <a:solidFill>
                   <a:schemeClr val="dk2"/>
@@ -2396,7 +1637,7 @@
       </p:grpSpPr>
       <p:sp>
         <p:nvSpPr>
-          <p:cNvPr id="8" name="PlaceHolder 1"/>
+          <p:cNvPr id="6" name="PlaceHolder 1"/>
           <p:cNvSpPr>
             <a:spLocks noGrp="1"/>
           </p:cNvSpPr>
@@ -2407,7 +1648,7 @@
         <p:spPr>
           <a:xfrm>
             <a:off x="8472600" y="4663080"/>
-            <a:ext cx="548280" cy="393120"/>
+            <a:ext cx="547920" cy="392760"/>
           </a:xfrm>
           <a:prstGeom prst="rect">
             <a:avLst/>
@@ -2419,7 +1660,7 @@
         </p:spPr>
         <p:txBody>
           <a:bodyPr lIns="91440" rIns="91440" tIns="91440" bIns="91440" anchor="ctr">
-            <a:normAutofit/>
+            <a:noAutofit/>
           </a:bodyPr>
           <a:lstStyle>
             <a:lvl1pPr indent="0" algn="r">
@@ -2449,7 +1690,7 @@
                 <a:tab algn="l" pos="0"/>
               </a:tabLst>
             </a:pPr>
-            <a:fld id="{DCA614F3-6EC2-4AD5-9121-36154F02708D}" type="slidenum">
+            <a:fld id="{36F337C3-6996-44B7-B9E9-F12017E5A878}" type="slidenum">
               <a:rPr b="0" lang="en" sz="1000" spc="-1" strike="noStrike">
                 <a:solidFill>
                   <a:schemeClr val="dk2"/>
@@ -2470,7 +1711,7 @@
       </p:sp>
       <p:sp>
         <p:nvSpPr>
-          <p:cNvPr id="9" name="PlaceHolder 2"/>
+          <p:cNvPr id="7" name="PlaceHolder 2"/>
           <p:cNvSpPr>
             <a:spLocks noGrp="1"/>
           </p:cNvSpPr>
@@ -2496,11 +1737,11 @@
             <a:noAutofit/>
           </a:bodyPr>
           <a:p>
-            <a:pPr indent="0">
+            <a:pPr indent="0" algn="ctr">
               <a:buNone/>
             </a:pPr>
             <a:r>
-              <a:rPr b="0" lang="en-US" sz="1400" spc="-1" strike="noStrike">
+              <a:rPr b="0" lang="en-US" sz="4400" spc="-1" strike="noStrike">
                 <a:solidFill>
                   <a:srgbClr val="000000"/>
                 </a:solidFill>
@@ -2508,7 +1749,7 @@
               </a:rPr>
               <a:t>Click to edit the title text format</a:t>
             </a:r>
-            <a:endParaRPr b="0" lang="en-US" sz="1400" spc="-1" strike="noStrike">
+            <a:endParaRPr b="0" lang="en-US" sz="4400" spc="-1" strike="noStrike">
               <a:solidFill>
                 <a:srgbClr val="000000"/>
               </a:solidFill>
@@ -2519,7 +1760,7 @@
       </p:sp>
       <p:sp>
         <p:nvSpPr>
-          <p:cNvPr id="10" name="PlaceHolder 3"/>
+          <p:cNvPr id="8" name="PlaceHolder 3"/>
           <p:cNvSpPr>
             <a:spLocks noGrp="1"/>
           </p:cNvSpPr>
@@ -2557,7 +1798,7 @@
               <a:buChar char=""/>
             </a:pPr>
             <a:r>
-              <a:rPr b="0" lang="en-US" sz="1400" spc="-1" strike="noStrike">
+              <a:rPr b="0" lang="en-US" sz="3200" spc="-1" strike="noStrike">
                 <a:solidFill>
                   <a:srgbClr val="000000"/>
                 </a:solidFill>
@@ -2565,7 +1806,7 @@
               </a:rPr>
               <a:t>Click to edit the outline text format</a:t>
             </a:r>
-            <a:endParaRPr b="0" lang="en-US" sz="1400" spc="-1" strike="noStrike">
+            <a:endParaRPr b="0" lang="en-US" sz="3200" spc="-1" strike="noStrike">
               <a:solidFill>
                 <a:srgbClr val="000000"/>
               </a:solidFill>
@@ -2585,7 +1826,7 @@
               <a:buChar char=""/>
             </a:pPr>
             <a:r>
-              <a:rPr b="0" lang="en-US" sz="1400" spc="-1" strike="noStrike">
+              <a:rPr b="0" lang="en-US" sz="2800" spc="-1" strike="noStrike">
                 <a:solidFill>
                   <a:srgbClr val="000000"/>
                 </a:solidFill>
@@ -2593,7 +1834,7 @@
               </a:rPr>
               <a:t>Second Outline Level</a:t>
             </a:r>
-            <a:endParaRPr b="0" lang="en-US" sz="1400" spc="-1" strike="noStrike">
+            <a:endParaRPr b="0" lang="en-US" sz="2800" spc="-1" strike="noStrike">
               <a:solidFill>
                 <a:srgbClr val="000000"/>
               </a:solidFill>
@@ -2613,7 +1854,7 @@
               <a:buChar char=""/>
             </a:pPr>
             <a:r>
-              <a:rPr b="0" lang="en-US" sz="1400" spc="-1" strike="noStrike">
+              <a:rPr b="0" lang="en-US" sz="2400" spc="-1" strike="noStrike">
                 <a:solidFill>
                   <a:srgbClr val="000000"/>
                 </a:solidFill>
@@ -2621,7 +1862,7 @@
               </a:rPr>
               <a:t>Third Outline Level</a:t>
             </a:r>
-            <a:endParaRPr b="0" lang="en-US" sz="1400" spc="-1" strike="noStrike">
+            <a:endParaRPr b="0" lang="en-US" sz="2400" spc="-1" strike="noStrike">
               <a:solidFill>
                 <a:srgbClr val="000000"/>
               </a:solidFill>
@@ -2641,7 +1882,7 @@
               <a:buChar char=""/>
             </a:pPr>
             <a:r>
-              <a:rPr b="0" lang="en-US" sz="1400" spc="-1" strike="noStrike">
+              <a:rPr b="0" lang="en-US" sz="2000" spc="-1" strike="noStrike">
                 <a:solidFill>
                   <a:srgbClr val="000000"/>
                 </a:solidFill>
@@ -2649,7 +1890,7 @@
               </a:rPr>
               <a:t>Fourth Outline Level</a:t>
             </a:r>
-            <a:endParaRPr b="0" lang="en-US" sz="1400" spc="-1" strike="noStrike">
+            <a:endParaRPr b="0" lang="en-US" sz="2000" spc="-1" strike="noStrike">
               <a:solidFill>
                 <a:srgbClr val="000000"/>
               </a:solidFill>
@@ -2777,18 +2018,18 @@
       </p:grpSpPr>
       <p:sp>
         <p:nvSpPr>
-          <p:cNvPr id="11" name="PlaceHolder 1"/>
+          <p:cNvPr id="9" name="PlaceHolder 1"/>
           <p:cNvSpPr>
             <a:spLocks noGrp="1"/>
           </p:cNvSpPr>
           <p:nvPr>
-            <p:ph type="title"/>
+            <p:ph type="sldNum" idx="4"/>
           </p:nvPr>
         </p:nvSpPr>
         <p:spPr>
           <a:xfrm>
-            <a:off x="311760" y="2151000"/>
-            <a:ext cx="8520120" cy="841320"/>
+            <a:off x="8472600" y="4663080"/>
+            <a:ext cx="547920" cy="392760"/>
           </a:xfrm>
           <a:prstGeom prst="rect">
             <a:avLst/>
@@ -2800,56 +2041,7 @@
         </p:spPr>
         <p:txBody>
           <a:bodyPr lIns="91440" rIns="91440" tIns="91440" bIns="91440" anchor="ctr">
-            <a:normAutofit/>
-          </a:bodyPr>
-          <a:p>
-            <a:pPr indent="0">
-              <a:buNone/>
-            </a:pPr>
-            <a:r>
-              <a:rPr b="0" lang="en-US" sz="3600" spc="-1" strike="noStrike">
-                <a:solidFill>
-                  <a:srgbClr val="000000"/>
-                </a:solidFill>
-                <a:latin typeface="Arial"/>
-              </a:rPr>
-              <a:t>Click to edit the title text format</a:t>
-            </a:r>
-            <a:endParaRPr b="0" lang="en-US" sz="3600" spc="-1" strike="noStrike">
-              <a:solidFill>
-                <a:srgbClr val="000000"/>
-              </a:solidFill>
-              <a:latin typeface="Arial"/>
-            </a:endParaRPr>
-          </a:p>
-        </p:txBody>
-      </p:sp>
-      <p:sp>
-        <p:nvSpPr>
-          <p:cNvPr id="12" name="PlaceHolder 2"/>
-          <p:cNvSpPr>
-            <a:spLocks noGrp="1"/>
-          </p:cNvSpPr>
-          <p:nvPr>
-            <p:ph type="sldNum" idx="4"/>
-          </p:nvPr>
-        </p:nvSpPr>
-        <p:spPr>
-          <a:xfrm>
-            <a:off x="8472600" y="4663080"/>
-            <a:ext cx="548280" cy="393120"/>
-          </a:xfrm>
-          <a:prstGeom prst="rect">
-            <a:avLst/>
-          </a:prstGeom>
-          <a:noFill/>
-          <a:ln w="0">
-            <a:noFill/>
-          </a:ln>
-        </p:spPr>
-        <p:txBody>
-          <a:bodyPr lIns="91440" rIns="91440" tIns="91440" bIns="91440" anchor="ctr">
-            <a:normAutofit/>
+            <a:noAutofit/>
           </a:bodyPr>
           <a:lstStyle>
             <a:lvl1pPr indent="0" algn="r">
@@ -2879,7 +2071,7 @@
                 <a:tab algn="l" pos="0"/>
               </a:tabLst>
             </a:pPr>
-            <a:fld id="{F2A75D1E-FEF7-400F-BFF4-069418BF9098}" type="slidenum">
+            <a:fld id="{C62F3369-A89F-4FD1-86B6-601023C08953}" type="slidenum">
               <a:rPr b="0" lang="en" sz="1000" spc="-1" strike="noStrike">
                 <a:solidFill>
                   <a:schemeClr val="dk2"/>
@@ -2933,7 +2125,7 @@
       </p:grpSpPr>
       <p:sp>
         <p:nvSpPr>
-          <p:cNvPr id="13" name="PlaceHolder 1"/>
+          <p:cNvPr id="10" name="PlaceHolder 1"/>
           <p:cNvSpPr>
             <a:spLocks noGrp="1"/>
           </p:cNvSpPr>
@@ -2943,8 +2135,8 @@
         </p:nvSpPr>
         <p:spPr>
           <a:xfrm>
-            <a:off x="311760" y="444960"/>
-            <a:ext cx="8520120" cy="572400"/>
+            <a:off x="457200" y="205200"/>
+            <a:ext cx="8228880" cy="858240"/>
           </a:xfrm>
           <a:prstGeom prst="rect">
             <a:avLst/>
@@ -2955,15 +2147,15 @@
           </a:ln>
         </p:spPr>
         <p:txBody>
-          <a:bodyPr lIns="91440" rIns="91440" tIns="91440" bIns="91440" anchor="t">
-            <a:normAutofit fontScale="93550"/>
+          <a:bodyPr lIns="0" rIns="0" tIns="0" bIns="0" anchor="ctr">
+            <a:noAutofit/>
           </a:bodyPr>
           <a:p>
             <a:pPr indent="0">
               <a:buNone/>
             </a:pPr>
             <a:r>
-              <a:rPr b="0" lang="en-US" sz="2800" spc="-1" strike="noStrike">
+              <a:rPr b="0" lang="en-US" sz="1800" spc="-1" strike="noStrike">
                 <a:solidFill>
                   <a:srgbClr val="000000"/>
                 </a:solidFill>
@@ -2971,7 +2163,7 @@
               </a:rPr>
               <a:t>Click to edit the title text format</a:t>
             </a:r>
-            <a:endParaRPr b="0" lang="en-US" sz="2800" spc="-1" strike="noStrike">
+            <a:endParaRPr b="0" lang="en-US" sz="1800" spc="-1" strike="noStrike">
               <a:solidFill>
                 <a:srgbClr val="000000"/>
               </a:solidFill>
@@ -2982,7 +2174,7 @@
       </p:sp>
       <p:sp>
         <p:nvSpPr>
-          <p:cNvPr id="14" name="PlaceHolder 2"/>
+          <p:cNvPr id="11" name="PlaceHolder 2"/>
           <p:cNvSpPr>
             <a:spLocks noGrp="1"/>
           </p:cNvSpPr>
@@ -2992,8 +2184,8 @@
         </p:nvSpPr>
         <p:spPr>
           <a:xfrm>
-            <a:off x="311760" y="1152360"/>
-            <a:ext cx="8520120" cy="3416040"/>
+            <a:off x="457200" y="1203480"/>
+            <a:ext cx="8228880" cy="2982600"/>
           </a:xfrm>
           <a:prstGeom prst="rect">
             <a:avLst/>
@@ -3004,7 +2196,7 @@
           </a:ln>
         </p:spPr>
         <p:txBody>
-          <a:bodyPr lIns="91440" rIns="91440" tIns="91440" bIns="91440" anchor="t">
+          <a:bodyPr lIns="0" rIns="0" tIns="0" bIns="0" anchor="t">
             <a:normAutofit/>
           </a:bodyPr>
           <a:p>
@@ -3207,7 +2399,7 @@
       </p:sp>
       <p:sp>
         <p:nvSpPr>
-          <p:cNvPr id="15" name="PlaceHolder 3"/>
+          <p:cNvPr id="12" name="PlaceHolder 3"/>
           <p:cNvSpPr>
             <a:spLocks noGrp="1"/>
           </p:cNvSpPr>
@@ -3218,7 +2410,7 @@
         <p:spPr>
           <a:xfrm>
             <a:off x="8472600" y="4663080"/>
-            <a:ext cx="548280" cy="393120"/>
+            <a:ext cx="547920" cy="392760"/>
           </a:xfrm>
           <a:prstGeom prst="rect">
             <a:avLst/>
@@ -3230,7 +2422,7 @@
         </p:spPr>
         <p:txBody>
           <a:bodyPr lIns="91440" rIns="91440" tIns="91440" bIns="91440" anchor="ctr">
-            <a:normAutofit/>
+            <a:noAutofit/>
           </a:bodyPr>
           <a:lstStyle>
             <a:lvl1pPr indent="0" algn="r">
@@ -3260,7 +2452,7 @@
                 <a:tab algn="l" pos="0"/>
               </a:tabLst>
             </a:pPr>
-            <a:fld id="{2D664850-017C-455E-8136-EF78B16C47D1}" type="slidenum">
+            <a:fld id="{14D74514-A2B0-4CE3-8EA0-AA55620ECC95}" type="slidenum">
               <a:rPr b="0" lang="en" sz="1000" spc="-1" strike="noStrike">
                 <a:solidFill>
                   <a:schemeClr val="dk2"/>
@@ -3314,7 +2506,7 @@
       </p:grpSpPr>
       <p:sp>
         <p:nvSpPr>
-          <p:cNvPr id="18" name="PlaceHolder 1"/>
+          <p:cNvPr id="15" name="PlaceHolder 1"/>
           <p:cNvSpPr>
             <a:spLocks noGrp="1"/>
           </p:cNvSpPr>
@@ -3324,8 +2516,8 @@
         </p:nvSpPr>
         <p:spPr>
           <a:xfrm>
-            <a:off x="311760" y="444960"/>
-            <a:ext cx="8520120" cy="572400"/>
+            <a:off x="457200" y="205200"/>
+            <a:ext cx="8228880" cy="858240"/>
           </a:xfrm>
           <a:prstGeom prst="rect">
             <a:avLst/>
@@ -3336,15 +2528,15 @@
           </a:ln>
         </p:spPr>
         <p:txBody>
-          <a:bodyPr lIns="91440" rIns="91440" tIns="91440" bIns="91440" anchor="t">
-            <a:normAutofit fontScale="93550"/>
+          <a:bodyPr lIns="0" rIns="0" tIns="0" bIns="0" anchor="ctr">
+            <a:noAutofit/>
           </a:bodyPr>
           <a:p>
             <a:pPr indent="0">
               <a:buNone/>
             </a:pPr>
             <a:r>
-              <a:rPr b="0" lang="en-US" sz="2800" spc="-1" strike="noStrike">
+              <a:rPr b="0" lang="en-US" sz="1800" spc="-1" strike="noStrike">
                 <a:solidFill>
                   <a:srgbClr val="000000"/>
                 </a:solidFill>
@@ -3352,7 +2544,7 @@
               </a:rPr>
               <a:t>Click to edit the title text format</a:t>
             </a:r>
-            <a:endParaRPr b="0" lang="en-US" sz="2800" spc="-1" strike="noStrike">
+            <a:endParaRPr b="0" lang="en-US" sz="1800" spc="-1" strike="noStrike">
               <a:solidFill>
                 <a:srgbClr val="000000"/>
               </a:solidFill>
@@ -3363,7 +2555,7 @@
       </p:sp>
       <p:sp>
         <p:nvSpPr>
-          <p:cNvPr id="19" name="PlaceHolder 2"/>
+          <p:cNvPr id="16" name="PlaceHolder 2"/>
           <p:cNvSpPr>
             <a:spLocks noGrp="1"/>
           </p:cNvSpPr>
@@ -3373,8 +2565,8 @@
         </p:nvSpPr>
         <p:spPr>
           <a:xfrm>
-            <a:off x="311760" y="1152360"/>
-            <a:ext cx="3999600" cy="3416040"/>
+            <a:off x="457200" y="1203480"/>
+            <a:ext cx="4015440" cy="2982600"/>
           </a:xfrm>
           <a:prstGeom prst="rect">
             <a:avLst/>
@@ -3385,8 +2577,8 @@
           </a:ln>
         </p:spPr>
         <p:txBody>
-          <a:bodyPr lIns="91440" rIns="91440" tIns="91440" bIns="91440" anchor="t">
-            <a:normAutofit/>
+          <a:bodyPr lIns="0" rIns="0" tIns="0" bIns="0" anchor="t">
+            <a:normAutofit fontScale="87222"/>
           </a:bodyPr>
           <a:p>
             <a:pPr marL="432000" indent="-324000">
@@ -3401,7 +2593,7 @@
               <a:buChar char=""/>
             </a:pPr>
             <a:r>
-              <a:rPr b="0" lang="en-US" sz="1400" spc="-1" strike="noStrike">
+              <a:rPr b="0" lang="en-US" sz="1800" spc="-1" strike="noStrike">
                 <a:solidFill>
                   <a:srgbClr val="000000"/>
                 </a:solidFill>
@@ -3409,7 +2601,7 @@
               </a:rPr>
               <a:t>Click to edit the outline text format</a:t>
             </a:r>
-            <a:endParaRPr b="0" lang="en-US" sz="1400" spc="-1" strike="noStrike">
+            <a:endParaRPr b="0" lang="en-US" sz="1800" spc="-1" strike="noStrike">
               <a:solidFill>
                 <a:srgbClr val="000000"/>
               </a:solidFill>
@@ -3429,7 +2621,7 @@
               <a:buChar char=""/>
             </a:pPr>
             <a:r>
-              <a:rPr b="0" lang="en-US" sz="1400" spc="-1" strike="noStrike">
+              <a:rPr b="0" lang="en-US" sz="1800" spc="-1" strike="noStrike">
                 <a:solidFill>
                   <a:srgbClr val="000000"/>
                 </a:solidFill>
@@ -3437,7 +2629,7 @@
               </a:rPr>
               <a:t>Second Outline Level</a:t>
             </a:r>
-            <a:endParaRPr b="0" lang="en-US" sz="1400" spc="-1" strike="noStrike">
+            <a:endParaRPr b="0" lang="en-US" sz="1800" spc="-1" strike="noStrike">
               <a:solidFill>
                 <a:srgbClr val="000000"/>
               </a:solidFill>
@@ -3457,7 +2649,7 @@
               <a:buChar char=""/>
             </a:pPr>
             <a:r>
-              <a:rPr b="0" lang="en-US" sz="1400" spc="-1" strike="noStrike">
+              <a:rPr b="0" lang="en-US" sz="1800" spc="-1" strike="noStrike">
                 <a:solidFill>
                   <a:srgbClr val="000000"/>
                 </a:solidFill>
@@ -3465,7 +2657,7 @@
               </a:rPr>
               <a:t>Third Outline Level</a:t>
             </a:r>
-            <a:endParaRPr b="0" lang="en-US" sz="1400" spc="-1" strike="noStrike">
+            <a:endParaRPr b="0" lang="en-US" sz="1800" spc="-1" strike="noStrike">
               <a:solidFill>
                 <a:srgbClr val="000000"/>
               </a:solidFill>
@@ -3485,7 +2677,7 @@
               <a:buChar char=""/>
             </a:pPr>
             <a:r>
-              <a:rPr b="0" lang="en-US" sz="1400" spc="-1" strike="noStrike">
+              <a:rPr b="0" lang="en-US" sz="1800" spc="-1" strike="noStrike">
                 <a:solidFill>
                   <a:srgbClr val="000000"/>
                 </a:solidFill>
@@ -3493,7 +2685,7 @@
               </a:rPr>
               <a:t>Fourth Outline Level</a:t>
             </a:r>
-            <a:endParaRPr b="0" lang="en-US" sz="1400" spc="-1" strike="noStrike">
+            <a:endParaRPr b="0" lang="en-US" sz="1800" spc="-1" strike="noStrike">
               <a:solidFill>
                 <a:srgbClr val="000000"/>
               </a:solidFill>
@@ -3513,7 +2705,7 @@
               <a:buChar char=""/>
             </a:pPr>
             <a:r>
-              <a:rPr b="0" lang="en-US" sz="1400" spc="-1" strike="noStrike">
+              <a:rPr b="0" lang="en-US" sz="1800" spc="-1" strike="noStrike">
                 <a:solidFill>
                   <a:srgbClr val="000000"/>
                 </a:solidFill>
@@ -3521,7 +2713,7 @@
               </a:rPr>
               <a:t>Fifth Outline Level</a:t>
             </a:r>
-            <a:endParaRPr b="0" lang="en-US" sz="1400" spc="-1" strike="noStrike">
+            <a:endParaRPr b="0" lang="en-US" sz="1800" spc="-1" strike="noStrike">
               <a:solidFill>
                 <a:srgbClr val="000000"/>
               </a:solidFill>
@@ -3541,7 +2733,7 @@
               <a:buChar char=""/>
             </a:pPr>
             <a:r>
-              <a:rPr b="0" lang="en-US" sz="1400" spc="-1" strike="noStrike">
+              <a:rPr b="0" lang="en-US" sz="1800" spc="-1" strike="noStrike">
                 <a:solidFill>
                   <a:srgbClr val="000000"/>
                 </a:solidFill>
@@ -3549,7 +2741,7 @@
               </a:rPr>
               <a:t>Sixth Outline Level</a:t>
             </a:r>
-            <a:endParaRPr b="0" lang="en-US" sz="1400" spc="-1" strike="noStrike">
+            <a:endParaRPr b="0" lang="en-US" sz="1800" spc="-1" strike="noStrike">
               <a:solidFill>
                 <a:srgbClr val="000000"/>
               </a:solidFill>
@@ -3569,7 +2761,7 @@
               <a:buChar char=""/>
             </a:pPr>
             <a:r>
-              <a:rPr b="0" lang="en-US" sz="1400" spc="-1" strike="noStrike">
+              <a:rPr b="0" lang="en-US" sz="1800" spc="-1" strike="noStrike">
                 <a:solidFill>
                   <a:srgbClr val="000000"/>
                 </a:solidFill>
@@ -3577,7 +2769,7 @@
               </a:rPr>
               <a:t>Seventh Outline Level</a:t>
             </a:r>
-            <a:endParaRPr b="0" lang="en-US" sz="1400" spc="-1" strike="noStrike">
+            <a:endParaRPr b="0" lang="en-US" sz="1800" spc="-1" strike="noStrike">
               <a:solidFill>
                 <a:srgbClr val="000000"/>
               </a:solidFill>
@@ -3588,7 +2780,7 @@
       </p:sp>
       <p:sp>
         <p:nvSpPr>
-          <p:cNvPr id="20" name="PlaceHolder 3"/>
+          <p:cNvPr id="17" name="PlaceHolder 3"/>
           <p:cNvSpPr>
             <a:spLocks noGrp="1"/>
           </p:cNvSpPr>
@@ -3598,8 +2790,8 @@
         </p:nvSpPr>
         <p:spPr>
           <a:xfrm>
-            <a:off x="4832280" y="1152360"/>
-            <a:ext cx="3999600" cy="3416040"/>
+            <a:off x="4674240" y="1203480"/>
+            <a:ext cx="4015440" cy="2982600"/>
           </a:xfrm>
           <a:prstGeom prst="rect">
             <a:avLst/>
@@ -3610,8 +2802,8 @@
           </a:ln>
         </p:spPr>
         <p:txBody>
-          <a:bodyPr lIns="91440" rIns="91440" tIns="91440" bIns="91440" anchor="t">
-            <a:normAutofit/>
+          <a:bodyPr lIns="0" rIns="0" tIns="0" bIns="0" anchor="t">
+            <a:normAutofit fontScale="87222"/>
           </a:bodyPr>
           <a:p>
             <a:pPr marL="432000" indent="-324000">
@@ -3626,7 +2818,7 @@
               <a:buChar char=""/>
             </a:pPr>
             <a:r>
-              <a:rPr b="0" lang="en-US" sz="1400" spc="-1" strike="noStrike">
+              <a:rPr b="0" lang="en-US" sz="1800" spc="-1" strike="noStrike">
                 <a:solidFill>
                   <a:srgbClr val="000000"/>
                 </a:solidFill>
@@ -3634,7 +2826,7 @@
               </a:rPr>
               <a:t>Click to edit the outline text format</a:t>
             </a:r>
-            <a:endParaRPr b="0" lang="en-US" sz="1400" spc="-1" strike="noStrike">
+            <a:endParaRPr b="0" lang="en-US" sz="1800" spc="-1" strike="noStrike">
               <a:solidFill>
                 <a:srgbClr val="000000"/>
               </a:solidFill>
@@ -3654,7 +2846,7 @@
               <a:buChar char=""/>
             </a:pPr>
             <a:r>
-              <a:rPr b="0" lang="en-US" sz="1400" spc="-1" strike="noStrike">
+              <a:rPr b="0" lang="en-US" sz="1800" spc="-1" strike="noStrike">
                 <a:solidFill>
                   <a:srgbClr val="000000"/>
                 </a:solidFill>
@@ -3662,7 +2854,7 @@
               </a:rPr>
               <a:t>Second Outline Level</a:t>
             </a:r>
-            <a:endParaRPr b="0" lang="en-US" sz="1400" spc="-1" strike="noStrike">
+            <a:endParaRPr b="0" lang="en-US" sz="1800" spc="-1" strike="noStrike">
               <a:solidFill>
                 <a:srgbClr val="000000"/>
               </a:solidFill>
@@ -3682,7 +2874,7 @@
               <a:buChar char=""/>
             </a:pPr>
             <a:r>
-              <a:rPr b="0" lang="en-US" sz="1400" spc="-1" strike="noStrike">
+              <a:rPr b="0" lang="en-US" sz="1800" spc="-1" strike="noStrike">
                 <a:solidFill>
                   <a:srgbClr val="000000"/>
                 </a:solidFill>
@@ -3690,7 +2882,7 @@
               </a:rPr>
               <a:t>Third Outline Level</a:t>
             </a:r>
-            <a:endParaRPr b="0" lang="en-US" sz="1400" spc="-1" strike="noStrike">
+            <a:endParaRPr b="0" lang="en-US" sz="1800" spc="-1" strike="noStrike">
               <a:solidFill>
                 <a:srgbClr val="000000"/>
               </a:solidFill>
@@ -3710,7 +2902,7 @@
               <a:buChar char=""/>
             </a:pPr>
             <a:r>
-              <a:rPr b="0" lang="en-US" sz="1400" spc="-1" strike="noStrike">
+              <a:rPr b="0" lang="en-US" sz="1800" spc="-1" strike="noStrike">
                 <a:solidFill>
                   <a:srgbClr val="000000"/>
                 </a:solidFill>
@@ -3718,7 +2910,7 @@
               </a:rPr>
               <a:t>Fourth Outline Level</a:t>
             </a:r>
-            <a:endParaRPr b="0" lang="en-US" sz="1400" spc="-1" strike="noStrike">
+            <a:endParaRPr b="0" lang="en-US" sz="1800" spc="-1" strike="noStrike">
               <a:solidFill>
                 <a:srgbClr val="000000"/>
               </a:solidFill>
@@ -3738,7 +2930,7 @@
               <a:buChar char=""/>
             </a:pPr>
             <a:r>
-              <a:rPr b="0" lang="en-US" sz="1400" spc="-1" strike="noStrike">
+              <a:rPr b="0" lang="en-US" sz="1800" spc="-1" strike="noStrike">
                 <a:solidFill>
                   <a:srgbClr val="000000"/>
                 </a:solidFill>
@@ -3746,7 +2938,7 @@
               </a:rPr>
               <a:t>Fifth Outline Level</a:t>
             </a:r>
-            <a:endParaRPr b="0" lang="en-US" sz="1400" spc="-1" strike="noStrike">
+            <a:endParaRPr b="0" lang="en-US" sz="1800" spc="-1" strike="noStrike">
               <a:solidFill>
                 <a:srgbClr val="000000"/>
               </a:solidFill>
@@ -3766,7 +2958,7 @@
               <a:buChar char=""/>
             </a:pPr>
             <a:r>
-              <a:rPr b="0" lang="en-US" sz="1400" spc="-1" strike="noStrike">
+              <a:rPr b="0" lang="en-US" sz="1800" spc="-1" strike="noStrike">
                 <a:solidFill>
                   <a:srgbClr val="000000"/>
                 </a:solidFill>
@@ -3774,7 +2966,7 @@
               </a:rPr>
               <a:t>Sixth Outline Level</a:t>
             </a:r>
-            <a:endParaRPr b="0" lang="en-US" sz="1400" spc="-1" strike="noStrike">
+            <a:endParaRPr b="0" lang="en-US" sz="1800" spc="-1" strike="noStrike">
               <a:solidFill>
                 <a:srgbClr val="000000"/>
               </a:solidFill>
@@ -3794,7 +2986,7 @@
               <a:buChar char=""/>
             </a:pPr>
             <a:r>
-              <a:rPr b="0" lang="en-US" sz="1400" spc="-1" strike="noStrike">
+              <a:rPr b="0" lang="en-US" sz="1800" spc="-1" strike="noStrike">
                 <a:solidFill>
                   <a:srgbClr val="000000"/>
                 </a:solidFill>
@@ -3802,7 +2994,7 @@
               </a:rPr>
               <a:t>Seventh Outline Level</a:t>
             </a:r>
-            <a:endParaRPr b="0" lang="en-US" sz="1400" spc="-1" strike="noStrike">
+            <a:endParaRPr b="0" lang="en-US" sz="1800" spc="-1" strike="noStrike">
               <a:solidFill>
                 <a:srgbClr val="000000"/>
               </a:solidFill>
@@ -3813,7 +3005,7 @@
       </p:sp>
       <p:sp>
         <p:nvSpPr>
-          <p:cNvPr id="21" name="PlaceHolder 4"/>
+          <p:cNvPr id="18" name="PlaceHolder 4"/>
           <p:cNvSpPr>
             <a:spLocks noGrp="1"/>
           </p:cNvSpPr>
@@ -3824,7 +3016,7 @@
         <p:spPr>
           <a:xfrm>
             <a:off x="8472600" y="4663080"/>
-            <a:ext cx="548280" cy="393120"/>
+            <a:ext cx="547920" cy="392760"/>
           </a:xfrm>
           <a:prstGeom prst="rect">
             <a:avLst/>
@@ -3836,7 +3028,7 @@
         </p:spPr>
         <p:txBody>
           <a:bodyPr lIns="91440" rIns="91440" tIns="91440" bIns="91440" anchor="ctr">
-            <a:normAutofit/>
+            <a:noAutofit/>
           </a:bodyPr>
           <a:lstStyle>
             <a:lvl1pPr indent="0" algn="r">
@@ -3866,7 +3058,7 @@
                 <a:tab algn="l" pos="0"/>
               </a:tabLst>
             </a:pPr>
-            <a:fld id="{EEA67EEE-A84F-4C8D-B5C0-F4161B6B1984}" type="slidenum">
+            <a:fld id="{B244402C-0BE2-4404-938E-562B019FAA0B}" type="slidenum">
               <a:rPr b="0" lang="en" sz="1000" spc="-1" strike="noStrike">
                 <a:solidFill>
                   <a:schemeClr val="dk2"/>
@@ -3920,7 +3112,7 @@
       </p:grpSpPr>
       <p:sp>
         <p:nvSpPr>
-          <p:cNvPr id="25" name="PlaceHolder 1"/>
+          <p:cNvPr id="22" name="PlaceHolder 1"/>
           <p:cNvSpPr>
             <a:spLocks noGrp="1"/>
           </p:cNvSpPr>
@@ -3930,8 +3122,8 @@
         </p:nvSpPr>
         <p:spPr>
           <a:xfrm>
-            <a:off x="311760" y="444960"/>
-            <a:ext cx="8520120" cy="572400"/>
+            <a:off x="457200" y="205200"/>
+            <a:ext cx="8228880" cy="858240"/>
           </a:xfrm>
           <a:prstGeom prst="rect">
             <a:avLst/>
@@ -3942,15 +3134,15 @@
           </a:ln>
         </p:spPr>
         <p:txBody>
-          <a:bodyPr lIns="91440" rIns="91440" tIns="91440" bIns="91440" anchor="t">
-            <a:normAutofit fontScale="93550"/>
+          <a:bodyPr lIns="0" rIns="0" tIns="0" bIns="0" anchor="ctr">
+            <a:noAutofit/>
           </a:bodyPr>
           <a:p>
             <a:pPr indent="0">
               <a:buNone/>
             </a:pPr>
             <a:r>
-              <a:rPr b="0" lang="en-US" sz="2800" spc="-1" strike="noStrike">
+              <a:rPr b="0" lang="en-US" sz="1800" spc="-1" strike="noStrike">
                 <a:solidFill>
                   <a:srgbClr val="000000"/>
                 </a:solidFill>
@@ -3958,7 +3150,7 @@
               </a:rPr>
               <a:t>Click to edit the title text format</a:t>
             </a:r>
-            <a:endParaRPr b="0" lang="en-US" sz="2800" spc="-1" strike="noStrike">
+            <a:endParaRPr b="0" lang="en-US" sz="1800" spc="-1" strike="noStrike">
               <a:solidFill>
                 <a:srgbClr val="000000"/>
               </a:solidFill>
@@ -3969,7 +3161,7 @@
       </p:sp>
       <p:sp>
         <p:nvSpPr>
-          <p:cNvPr id="26" name="PlaceHolder 2"/>
+          <p:cNvPr id="23" name="PlaceHolder 2"/>
           <p:cNvSpPr>
             <a:spLocks noGrp="1"/>
           </p:cNvSpPr>
@@ -3980,7 +3172,7 @@
         <p:spPr>
           <a:xfrm>
             <a:off x="8472600" y="4663080"/>
-            <a:ext cx="548280" cy="393120"/>
+            <a:ext cx="547920" cy="392760"/>
           </a:xfrm>
           <a:prstGeom prst="rect">
             <a:avLst/>
@@ -3992,7 +3184,7 @@
         </p:spPr>
         <p:txBody>
           <a:bodyPr lIns="91440" rIns="91440" tIns="91440" bIns="91440" anchor="ctr">
-            <a:normAutofit/>
+            <a:noAutofit/>
           </a:bodyPr>
           <a:lstStyle>
             <a:lvl1pPr indent="0" algn="r">
@@ -4022,7 +3214,7 @@
                 <a:tab algn="l" pos="0"/>
               </a:tabLst>
             </a:pPr>
-            <a:fld id="{F65AA77E-8FB1-4DBE-8694-8FE36C2597B4}" type="slidenum">
+            <a:fld id="{0086DD51-1A7D-4F88-A411-5872AA9E76A0}" type="slidenum">
               <a:rPr b="0" lang="en" sz="1000" spc="-1" strike="noStrike">
                 <a:solidFill>
                   <a:schemeClr val="dk2"/>
@@ -4076,281 +3268,7 @@
       </p:grpSpPr>
       <p:sp>
         <p:nvSpPr>
-          <p:cNvPr id="28" name="PlaceHolder 1"/>
-          <p:cNvSpPr>
-            <a:spLocks noGrp="1"/>
-          </p:cNvSpPr>
-          <p:nvPr>
-            <p:ph type="title"/>
-          </p:nvPr>
-        </p:nvSpPr>
-        <p:spPr>
-          <a:xfrm>
-            <a:off x="311760" y="555480"/>
-            <a:ext cx="2807640" cy="755280"/>
-          </a:xfrm>
-          <a:prstGeom prst="rect">
-            <a:avLst/>
-          </a:prstGeom>
-          <a:noFill/>
-          <a:ln w="0">
-            <a:noFill/>
-          </a:ln>
-        </p:spPr>
-        <p:txBody>
-          <a:bodyPr lIns="91440" rIns="91440" tIns="91440" bIns="91440" anchor="b">
-            <a:normAutofit fontScale="81218"/>
-          </a:bodyPr>
-          <a:p>
-            <a:pPr indent="0">
-              <a:buNone/>
-            </a:pPr>
-            <a:r>
-              <a:rPr b="0" lang="en-US" sz="2400" spc="-1" strike="noStrike">
-                <a:solidFill>
-                  <a:srgbClr val="000000"/>
-                </a:solidFill>
-                <a:latin typeface="Arial"/>
-              </a:rPr>
-              <a:t>Click to edit the title text format</a:t>
-            </a:r>
-            <a:endParaRPr b="0" lang="en-US" sz="2400" spc="-1" strike="noStrike">
-              <a:solidFill>
-                <a:srgbClr val="000000"/>
-              </a:solidFill>
-              <a:latin typeface="Arial"/>
-            </a:endParaRPr>
-          </a:p>
-        </p:txBody>
-      </p:sp>
-      <p:sp>
-        <p:nvSpPr>
-          <p:cNvPr id="29" name="PlaceHolder 2"/>
-          <p:cNvSpPr>
-            <a:spLocks noGrp="1"/>
-          </p:cNvSpPr>
-          <p:nvPr>
-            <p:ph type="body"/>
-          </p:nvPr>
-        </p:nvSpPr>
-        <p:spPr>
-          <a:xfrm>
-            <a:off x="311760" y="1389600"/>
-            <a:ext cx="2807640" cy="3179160"/>
-          </a:xfrm>
-          <a:prstGeom prst="rect">
-            <a:avLst/>
-          </a:prstGeom>
-          <a:noFill/>
-          <a:ln w="0">
-            <a:noFill/>
-          </a:ln>
-        </p:spPr>
-        <p:txBody>
-          <a:bodyPr lIns="91440" rIns="91440" tIns="91440" bIns="91440" anchor="t">
-            <a:normAutofit fontScale="35861"/>
-          </a:bodyPr>
-          <a:p>
-            <a:pPr marL="432000" indent="-324000">
-              <a:spcBef>
-                <a:spcPts val="1417"/>
-              </a:spcBef>
-              <a:buClr>
-                <a:srgbClr val="000000"/>
-              </a:buClr>
-              <a:buSzPct val="45000"/>
-              <a:buFont typeface="Wingdings" charset="2"/>
-              <a:buChar char=""/>
-            </a:pPr>
-            <a:r>
-              <a:rPr b="0" lang="en-US" sz="1200" spc="-1" strike="noStrike">
-                <a:solidFill>
-                  <a:srgbClr val="000000"/>
-                </a:solidFill>
-                <a:latin typeface="Arial"/>
-              </a:rPr>
-              <a:t>Click to edit the outline text format</a:t>
-            </a:r>
-            <a:endParaRPr b="0" lang="en-US" sz="1200" spc="-1" strike="noStrike">
-              <a:solidFill>
-                <a:srgbClr val="000000"/>
-              </a:solidFill>
-              <a:latin typeface="Arial"/>
-            </a:endParaRPr>
-          </a:p>
-          <a:p>
-            <a:pPr lvl="1" marL="864000" indent="-324000">
-              <a:spcBef>
-                <a:spcPts val="1134"/>
-              </a:spcBef>
-              <a:buClr>
-                <a:srgbClr val="000000"/>
-              </a:buClr>
-              <a:buSzPct val="75000"/>
-              <a:buFont typeface="Symbol" charset="2"/>
-              <a:buChar char=""/>
-            </a:pPr>
-            <a:r>
-              <a:rPr b="0" lang="en-US" sz="1200" spc="-1" strike="noStrike">
-                <a:solidFill>
-                  <a:srgbClr val="000000"/>
-                </a:solidFill>
-                <a:latin typeface="Arial"/>
-              </a:rPr>
-              <a:t>Second Outline Level</a:t>
-            </a:r>
-            <a:endParaRPr b="0" lang="en-US" sz="1200" spc="-1" strike="noStrike">
-              <a:solidFill>
-                <a:srgbClr val="000000"/>
-              </a:solidFill>
-              <a:latin typeface="Arial"/>
-            </a:endParaRPr>
-          </a:p>
-          <a:p>
-            <a:pPr lvl="2" marL="1296000" indent="-288000">
-              <a:spcBef>
-                <a:spcPts val="850"/>
-              </a:spcBef>
-              <a:buClr>
-                <a:srgbClr val="000000"/>
-              </a:buClr>
-              <a:buSzPct val="45000"/>
-              <a:buFont typeface="Wingdings" charset="2"/>
-              <a:buChar char=""/>
-            </a:pPr>
-            <a:r>
-              <a:rPr b="0" lang="en-US" sz="1200" spc="-1" strike="noStrike">
-                <a:solidFill>
-                  <a:srgbClr val="000000"/>
-                </a:solidFill>
-                <a:latin typeface="Arial"/>
-              </a:rPr>
-              <a:t>Third Outline Level</a:t>
-            </a:r>
-            <a:endParaRPr b="0" lang="en-US" sz="1200" spc="-1" strike="noStrike">
-              <a:solidFill>
-                <a:srgbClr val="000000"/>
-              </a:solidFill>
-              <a:latin typeface="Arial"/>
-            </a:endParaRPr>
-          </a:p>
-          <a:p>
-            <a:pPr lvl="3" marL="1728000" indent="-216000">
-              <a:spcBef>
-                <a:spcPts val="567"/>
-              </a:spcBef>
-              <a:buClr>
-                <a:srgbClr val="000000"/>
-              </a:buClr>
-              <a:buSzPct val="75000"/>
-              <a:buFont typeface="Symbol" charset="2"/>
-              <a:buChar char=""/>
-            </a:pPr>
-            <a:r>
-              <a:rPr b="0" lang="en-US" sz="1200" spc="-1" strike="noStrike">
-                <a:solidFill>
-                  <a:srgbClr val="000000"/>
-                </a:solidFill>
-                <a:latin typeface="Arial"/>
-              </a:rPr>
-              <a:t>Fourth Outline Level</a:t>
-            </a:r>
-            <a:endParaRPr b="0" lang="en-US" sz="1200" spc="-1" strike="noStrike">
-              <a:solidFill>
-                <a:srgbClr val="000000"/>
-              </a:solidFill>
-              <a:latin typeface="Arial"/>
-            </a:endParaRPr>
-          </a:p>
-          <a:p>
-            <a:pPr lvl="4" marL="2160000" indent="-216000">
-              <a:spcBef>
-                <a:spcPts val="283"/>
-              </a:spcBef>
-              <a:buClr>
-                <a:srgbClr val="000000"/>
-              </a:buClr>
-              <a:buSzPct val="45000"/>
-              <a:buFont typeface="Wingdings" charset="2"/>
-              <a:buChar char=""/>
-            </a:pPr>
-            <a:r>
-              <a:rPr b="0" lang="en-US" sz="1200" spc="-1" strike="noStrike">
-                <a:solidFill>
-                  <a:srgbClr val="000000"/>
-                </a:solidFill>
-                <a:latin typeface="Arial"/>
-              </a:rPr>
-              <a:t>Fifth Outline Level</a:t>
-            </a:r>
-            <a:endParaRPr b="0" lang="en-US" sz="1200" spc="-1" strike="noStrike">
-              <a:solidFill>
-                <a:srgbClr val="000000"/>
-              </a:solidFill>
-              <a:latin typeface="Arial"/>
-            </a:endParaRPr>
-          </a:p>
-          <a:p>
-            <a:pPr lvl="5" marL="2592000" indent="-216000">
-              <a:spcBef>
-                <a:spcPts val="283"/>
-              </a:spcBef>
-              <a:buClr>
-                <a:srgbClr val="000000"/>
-              </a:buClr>
-              <a:buSzPct val="45000"/>
-              <a:buFont typeface="Wingdings" charset="2"/>
-              <a:buChar char=""/>
-            </a:pPr>
-            <a:r>
-              <a:rPr b="0" lang="en-US" sz="1200" spc="-1" strike="noStrike">
-                <a:solidFill>
-                  <a:srgbClr val="000000"/>
-                </a:solidFill>
-                <a:latin typeface="Arial"/>
-              </a:rPr>
-              <a:t>Sixth Outline Level</a:t>
-            </a:r>
-            <a:endParaRPr b="0" lang="en-US" sz="1200" spc="-1" strike="noStrike">
-              <a:solidFill>
-                <a:srgbClr val="000000"/>
-              </a:solidFill>
-              <a:latin typeface="Arial"/>
-            </a:endParaRPr>
-          </a:p>
-          <a:p>
-            <a:pPr lvl="6" marL="3024000" indent="-216000">
-              <a:spcBef>
-                <a:spcPts val="283"/>
-              </a:spcBef>
-              <a:buClr>
-                <a:srgbClr val="000000"/>
-              </a:buClr>
-              <a:buSzPct val="45000"/>
-              <a:buFont typeface="Wingdings" charset="2"/>
-              <a:buChar char=""/>
-            </a:pPr>
-            <a:r>
-              <a:rPr b="0" lang="en-US" sz="1200" spc="-1" strike="noStrike">
-                <a:solidFill>
-                  <a:srgbClr val="000000"/>
-                </a:solidFill>
-                <a:latin typeface="Arial"/>
-              </a:rPr>
-              <a:t>Seventh Outline Level</a:t>
-            </a:r>
-            <a:endParaRPr b="0" lang="en-US" sz="1200" spc="-1" strike="noStrike">
-              <a:solidFill>
-                <a:srgbClr val="000000"/>
-              </a:solidFill>
-              <a:latin typeface="Arial"/>
-            </a:endParaRPr>
-          </a:p>
-        </p:txBody>
-      </p:sp>
-      <p:sp>
-        <p:nvSpPr>
-          <p:cNvPr id="30" name="PlaceHolder 3"/>
+          <p:cNvPr id="25" name="PlaceHolder 1"/>
           <p:cNvSpPr>
             <a:spLocks noGrp="1"/>
           </p:cNvSpPr>
@@ -4361,7 +3279,7 @@
         <p:spPr>
           <a:xfrm>
             <a:off x="8472600" y="4663080"/>
-            <a:ext cx="548280" cy="393120"/>
+            <a:ext cx="547920" cy="392760"/>
           </a:xfrm>
           <a:prstGeom prst="rect">
             <a:avLst/>
@@ -4373,7 +3291,7 @@
         </p:spPr>
         <p:txBody>
           <a:bodyPr lIns="91440" rIns="91440" tIns="91440" bIns="91440" anchor="ctr">
-            <a:normAutofit/>
+            <a:noAutofit/>
           </a:bodyPr>
           <a:lstStyle>
             <a:lvl1pPr indent="0" algn="r">
@@ -4403,7 +3321,7 @@
                 <a:tab algn="l" pos="0"/>
               </a:tabLst>
             </a:pPr>
-            <a:fld id="{BE7A2A3F-31BF-4418-A27D-3DF18C2B492B}" type="slidenum">
+            <a:fld id="{FC9B1462-090F-46FF-8274-B4BA1ACED585}" type="slidenum">
               <a:rPr b="0" lang="en" sz="1000" spc="-1" strike="noStrike">
                 <a:solidFill>
                   <a:schemeClr val="dk2"/>
@@ -4457,18 +3375,18 @@
       </p:grpSpPr>
       <p:sp>
         <p:nvSpPr>
-          <p:cNvPr id="31" name="PlaceHolder 1"/>
+          <p:cNvPr id="26" name="PlaceHolder 1"/>
           <p:cNvSpPr>
             <a:spLocks noGrp="1"/>
           </p:cNvSpPr>
           <p:nvPr>
-            <p:ph type="title"/>
+            <p:ph type="sldNum" idx="9"/>
           </p:nvPr>
         </p:nvSpPr>
         <p:spPr>
           <a:xfrm>
-            <a:off x="490320" y="450000"/>
-            <a:ext cx="6367320" cy="4090320"/>
+            <a:off x="8472600" y="4663080"/>
+            <a:ext cx="547920" cy="392760"/>
           </a:xfrm>
           <a:prstGeom prst="rect">
             <a:avLst/>
@@ -4480,56 +3398,7 @@
         </p:spPr>
         <p:txBody>
           <a:bodyPr lIns="91440" rIns="91440" tIns="91440" bIns="91440" anchor="ctr">
-            <a:normAutofit/>
-          </a:bodyPr>
-          <a:p>
-            <a:pPr indent="0">
-              <a:buNone/>
-            </a:pPr>
-            <a:r>
-              <a:rPr b="0" lang="en-US" sz="4800" spc="-1" strike="noStrike">
-                <a:solidFill>
-                  <a:srgbClr val="000000"/>
-                </a:solidFill>
-                <a:latin typeface="Arial"/>
-              </a:rPr>
-              <a:t>Click to edit the title text format</a:t>
-            </a:r>
-            <a:endParaRPr b="0" lang="en-US" sz="4800" spc="-1" strike="noStrike">
-              <a:solidFill>
-                <a:srgbClr val="000000"/>
-              </a:solidFill>
-              <a:latin typeface="Arial"/>
-            </a:endParaRPr>
-          </a:p>
-        </p:txBody>
-      </p:sp>
-      <p:sp>
-        <p:nvSpPr>
-          <p:cNvPr id="32" name="PlaceHolder 2"/>
-          <p:cNvSpPr>
-            <a:spLocks noGrp="1"/>
-          </p:cNvSpPr>
-          <p:nvPr>
-            <p:ph type="sldNum" idx="9"/>
-          </p:nvPr>
-        </p:nvSpPr>
-        <p:spPr>
-          <a:xfrm>
-            <a:off x="8472600" y="4663080"/>
-            <a:ext cx="548280" cy="393120"/>
-          </a:xfrm>
-          <a:prstGeom prst="rect">
-            <a:avLst/>
-          </a:prstGeom>
-          <a:noFill/>
-          <a:ln w="0">
-            <a:noFill/>
-          </a:ln>
-        </p:spPr>
-        <p:txBody>
-          <a:bodyPr lIns="91440" rIns="91440" tIns="91440" bIns="91440" anchor="ctr">
-            <a:normAutofit/>
+            <a:noAutofit/>
           </a:bodyPr>
           <a:lstStyle>
             <a:lvl1pPr indent="0" algn="r">
@@ -4559,7 +3428,7 @@
                 <a:tab algn="l" pos="0"/>
               </a:tabLst>
             </a:pPr>
-            <a:fld id="{671BC2EF-6E35-4716-9D4D-A2323F3A2743}" type="slidenum">
+            <a:fld id="{2692CD43-4CB7-47F5-98B8-DD6B75210F07}" type="slidenum">
               <a:rPr b="0" lang="en" sz="1000" spc="-1" strike="noStrike">
                 <a:solidFill>
                   <a:schemeClr val="dk2"/>
@@ -4606,7 +3475,7 @@
       </p:grpSpPr>
       <p:sp>
         <p:nvSpPr>
-          <p:cNvPr id="39" name="PlaceHolder 1"/>
+          <p:cNvPr id="30" name="PlaceHolder 1"/>
           <p:cNvSpPr>
             <a:spLocks noGrp="1"/>
           </p:cNvSpPr>
@@ -4617,7 +3486,7 @@
         <p:spPr>
           <a:xfrm>
             <a:off x="311760" y="744480"/>
-            <a:ext cx="8520120" cy="2052360"/>
+            <a:ext cx="8519760" cy="2052000"/>
           </a:xfrm>
           <a:prstGeom prst="rect">
             <a:avLst/>
@@ -4662,7 +3531,7 @@
       </p:sp>
       <p:sp>
         <p:nvSpPr>
-          <p:cNvPr id="40" name="PlaceHolder 2"/>
+          <p:cNvPr id="31" name="PlaceHolder 2"/>
           <p:cNvSpPr>
             <a:spLocks noGrp="1"/>
           </p:cNvSpPr>
@@ -4673,7 +3542,7 @@
         <p:spPr>
           <a:xfrm>
             <a:off x="311760" y="2834280"/>
-            <a:ext cx="8520120" cy="1977120"/>
+            <a:ext cx="8519760" cy="1976760"/>
           </a:xfrm>
           <a:prstGeom prst="rect">
             <a:avLst/>
@@ -4685,7 +3554,7 @@
         </p:spPr>
         <p:txBody>
           <a:bodyPr lIns="91440" rIns="91440" tIns="91440" bIns="91440" anchor="t">
-            <a:normAutofit fontScale="43561" lnSpcReduction="10000"/>
+            <a:normAutofit fontScale="43333" lnSpcReduction="10000"/>
           </a:bodyPr>
           <a:p>
             <a:pPr indent="0" algn="ctr">
@@ -4982,14 +3851,14 @@
       </p:grpSpPr>
       <p:sp>
         <p:nvSpPr>
-          <p:cNvPr id="62" name="Google Shape;113;p22"/>
+          <p:cNvPr id="53" name="Google Shape;113;p22"/>
           <p:cNvSpPr/>
           <p:nvPr/>
         </p:nvSpPr>
         <p:spPr>
           <a:xfrm>
             <a:off x="423360" y="259560"/>
-            <a:ext cx="3395520" cy="669240"/>
+            <a:ext cx="3395160" cy="668880"/>
           </a:xfrm>
           <a:prstGeom prst="rect">
             <a:avLst/>
@@ -5006,7 +3875,7 @@
           <a:fontRef idx="minor"/>
         </p:style>
         <p:txBody>
-          <a:bodyPr tIns="91440" bIns="91440" anchor="t">
+          <a:bodyPr lIns="90000" rIns="90000" tIns="91440" bIns="91440" anchor="t">
             <a:noAutofit/>
           </a:bodyPr>
           <a:p>
@@ -5039,14 +3908,14 @@
       </p:sp>
       <p:sp>
         <p:nvSpPr>
-          <p:cNvPr id="63" name="Google Shape;114;p22"/>
+          <p:cNvPr id="54" name="Google Shape;114;p22"/>
           <p:cNvSpPr/>
           <p:nvPr/>
         </p:nvSpPr>
         <p:spPr>
           <a:xfrm>
             <a:off x="920520" y="929160"/>
-            <a:ext cx="7223040" cy="3982320"/>
+            <a:ext cx="7222680" cy="3981960"/>
           </a:xfrm>
           <a:prstGeom prst="rect">
             <a:avLst/>
@@ -5063,7 +3932,7 @@
           <a:fontRef idx="minor"/>
         </p:style>
         <p:txBody>
-          <a:bodyPr tIns="91440" bIns="91440" anchor="t">
+          <a:bodyPr lIns="90000" rIns="90000" tIns="91440" bIns="91440" anchor="t">
             <a:noAutofit/>
           </a:bodyPr>
           <a:p>
@@ -5753,14 +4622,14 @@
       </p:grpSpPr>
       <p:sp>
         <p:nvSpPr>
-          <p:cNvPr id="64" name="Google Shape;119;p23"/>
+          <p:cNvPr id="55" name="Google Shape;119;p23"/>
           <p:cNvSpPr/>
           <p:nvPr/>
         </p:nvSpPr>
         <p:spPr>
           <a:xfrm>
             <a:off x="344520" y="708120"/>
-            <a:ext cx="6777720" cy="3651120"/>
+            <a:ext cx="6777360" cy="3650760"/>
           </a:xfrm>
           <a:prstGeom prst="rect">
             <a:avLst/>
@@ -5777,7 +4646,7 @@
           <a:fontRef idx="minor"/>
         </p:style>
         <p:txBody>
-          <a:bodyPr tIns="91440" bIns="91440" anchor="t">
+          <a:bodyPr lIns="90000" rIns="90000" tIns="91440" bIns="91440" anchor="t">
             <a:noAutofit/>
           </a:bodyPr>
           <a:p>
@@ -6145,14 +5014,14 @@
       </p:grpSpPr>
       <p:sp>
         <p:nvSpPr>
-          <p:cNvPr id="65" name="Google Shape;124;p24"/>
+          <p:cNvPr id="56" name="Google Shape;124;p24"/>
           <p:cNvSpPr/>
           <p:nvPr/>
         </p:nvSpPr>
         <p:spPr>
           <a:xfrm>
             <a:off x="796320" y="356040"/>
-            <a:ext cx="2884680" cy="669240"/>
+            <a:ext cx="2884320" cy="668880"/>
           </a:xfrm>
           <a:prstGeom prst="rect">
             <a:avLst/>
@@ -6169,7 +5038,7 @@
           <a:fontRef idx="minor"/>
         </p:style>
         <p:txBody>
-          <a:bodyPr tIns="91440" bIns="91440" anchor="t">
+          <a:bodyPr lIns="90000" rIns="90000" tIns="91440" bIns="91440" anchor="t">
             <a:noAutofit/>
           </a:bodyPr>
           <a:p>
@@ -6202,14 +5071,14 @@
       </p:sp>
       <p:sp>
         <p:nvSpPr>
-          <p:cNvPr id="66" name="Google Shape;125;p24"/>
+          <p:cNvPr id="57" name="Google Shape;125;p24"/>
           <p:cNvSpPr/>
           <p:nvPr/>
         </p:nvSpPr>
         <p:spPr>
           <a:xfrm>
             <a:off x="533880" y="1163880"/>
-            <a:ext cx="4133880" cy="3388680"/>
+            <a:ext cx="4133520" cy="3388320"/>
           </a:xfrm>
           <a:prstGeom prst="rect">
             <a:avLst/>
@@ -6226,7 +5095,7 @@
           <a:fontRef idx="minor"/>
         </p:style>
         <p:txBody>
-          <a:bodyPr tIns="91440" bIns="91440" anchor="t">
+          <a:bodyPr lIns="90000" rIns="90000" tIns="91440" bIns="91440" anchor="t">
             <a:noAutofit/>
           </a:bodyPr>
           <a:p>
@@ -6472,14 +5341,14 @@
       </p:sp>
       <p:sp>
         <p:nvSpPr>
-          <p:cNvPr id="67" name="Google Shape;126;p24"/>
+          <p:cNvPr id="58" name="Google Shape;126;p24"/>
           <p:cNvSpPr/>
           <p:nvPr/>
         </p:nvSpPr>
         <p:spPr>
           <a:xfrm>
             <a:off x="4826880" y="397440"/>
-            <a:ext cx="4092480" cy="3989160"/>
+            <a:ext cx="4092120" cy="3988800"/>
           </a:xfrm>
           <a:prstGeom prst="rect">
             <a:avLst/>
@@ -6496,7 +5365,7 @@
           <a:fontRef idx="minor"/>
         </p:style>
         <p:txBody>
-          <a:bodyPr tIns="91440" bIns="91440" anchor="t">
+          <a:bodyPr lIns="90000" rIns="90000" tIns="91440" bIns="91440" anchor="t">
             <a:noAutofit/>
           </a:bodyPr>
           <a:p>
@@ -6859,7 +5728,7 @@
       </p:grpSpPr>
       <p:sp>
         <p:nvSpPr>
-          <p:cNvPr id="41" name="PlaceHolder 1"/>
+          <p:cNvPr id="32" name="PlaceHolder 1"/>
           <p:cNvSpPr>
             <a:spLocks noGrp="1"/>
           </p:cNvSpPr>
@@ -6870,7 +5739,7 @@
         <p:spPr>
           <a:xfrm>
             <a:off x="0" y="0"/>
-            <a:ext cx="3937680" cy="708480"/>
+            <a:ext cx="3937320" cy="708120"/>
           </a:xfrm>
           <a:prstGeom prst="rect">
             <a:avLst/>
@@ -6915,14 +5784,14 @@
       </p:sp>
       <p:sp>
         <p:nvSpPr>
-          <p:cNvPr id="42" name="Google Shape;61;p14"/>
+          <p:cNvPr id="33" name="Google Shape;61;p14"/>
           <p:cNvSpPr/>
           <p:nvPr/>
         </p:nvSpPr>
         <p:spPr>
           <a:xfrm>
             <a:off x="214560" y="697680"/>
-            <a:ext cx="3723120" cy="4248720"/>
+            <a:ext cx="3722760" cy="4248360"/>
           </a:xfrm>
           <a:prstGeom prst="rect">
             <a:avLst/>
@@ -6939,7 +5808,7 @@
           <a:fontRef idx="minor"/>
         </p:style>
         <p:txBody>
-          <a:bodyPr tIns="91440" bIns="91440" anchor="t">
+          <a:bodyPr lIns="90000" rIns="90000" tIns="91440" bIns="91440" anchor="t">
             <a:noAutofit/>
           </a:bodyPr>
           <a:p>
@@ -7030,6 +5899,7 @@
                   <a:srgbClr val="188038"/>
                 </a:solidFill>
                 <a:latin typeface="Arial"/>
+                <a:ea typeface="Arial"/>
               </a:rPr>
               <a:t> </a:t>
             </a:r>
@@ -7083,6 +5953,7 @@
                   <a:schemeClr val="dk1"/>
                 </a:solidFill>
                 <a:latin typeface="Arial"/>
+                <a:ea typeface="Arial"/>
               </a:rPr>
               <a:t> </a:t>
             </a:r>
@@ -7136,6 +6007,7 @@
                   <a:schemeClr val="dk1"/>
                 </a:solidFill>
                 <a:latin typeface="Arial"/>
+                <a:ea typeface="Arial"/>
               </a:rPr>
               <a:t> </a:t>
             </a:r>
@@ -7179,6 +6051,7 @@
                   <a:schemeClr val="dk1"/>
                 </a:solidFill>
                 <a:latin typeface="Arial"/>
+                <a:ea typeface="Arial"/>
               </a:rPr>
               <a:t> </a:t>
             </a:r>
@@ -7222,6 +6095,7 @@
                   <a:schemeClr val="dk1"/>
                 </a:solidFill>
                 <a:latin typeface="Arial"/>
+                <a:ea typeface="Arial"/>
               </a:rPr>
               <a:t> </a:t>
             </a:r>
@@ -7317,6 +6191,7 @@
                   <a:schemeClr val="dk2"/>
                 </a:solidFill>
                 <a:latin typeface="Arial"/>
+                <a:ea typeface="Arial"/>
               </a:rPr>
               <a:t> </a:t>
             </a:r>
@@ -7331,14 +6206,14 @@
       </p:sp>
       <p:sp>
         <p:nvSpPr>
-          <p:cNvPr id="43" name="Google Shape;62;p14"/>
+          <p:cNvPr id="34" name="Google Shape;62;p14"/>
           <p:cNvSpPr/>
           <p:nvPr/>
         </p:nvSpPr>
         <p:spPr>
           <a:xfrm>
             <a:off x="4363200" y="93960"/>
-            <a:ext cx="4780800" cy="5049360"/>
+            <a:ext cx="4780440" cy="5049000"/>
           </a:xfrm>
           <a:prstGeom prst="rect">
             <a:avLst/>
@@ -7355,7 +6230,7 @@
           <a:fontRef idx="minor"/>
         </p:style>
         <p:txBody>
-          <a:bodyPr tIns="91440" bIns="91440" anchor="t">
+          <a:bodyPr lIns="90000" rIns="90000" tIns="91440" bIns="91440" anchor="t">
             <a:noAutofit/>
           </a:bodyPr>
           <a:p>
@@ -7411,6 +6286,7 @@
                   <a:schemeClr val="dk1"/>
                 </a:solidFill>
                 <a:latin typeface="Arial"/>
+                <a:ea typeface="Arial"/>
               </a:rPr>
               <a:t> </a:t>
             </a:r>
@@ -7461,6 +6337,7 @@
                   <a:schemeClr val="dk1"/>
                 </a:solidFill>
                 <a:latin typeface="Arial"/>
+                <a:ea typeface="Arial"/>
               </a:rPr>
               <a:t> </a:t>
             </a:r>
@@ -7564,6 +6441,7 @@
                   <a:schemeClr val="dk1"/>
                 </a:solidFill>
                 <a:latin typeface="Arial"/>
+                <a:ea typeface="Arial"/>
               </a:rPr>
               <a:t> </a:t>
             </a:r>
@@ -7607,6 +6485,7 @@
                   <a:schemeClr val="dk1"/>
                 </a:solidFill>
                 <a:latin typeface="Arial"/>
+                <a:ea typeface="Arial"/>
               </a:rPr>
               <a:t> </a:t>
             </a:r>
@@ -7670,6 +6549,7 @@
                   <a:schemeClr val="dk1"/>
                 </a:solidFill>
                 <a:latin typeface="Arial"/>
+                <a:ea typeface="Arial"/>
               </a:rPr>
               <a:t> </a:t>
             </a:r>
@@ -7713,6 +6593,7 @@
                   <a:schemeClr val="dk1"/>
                 </a:solidFill>
                 <a:latin typeface="Arial"/>
+                <a:ea typeface="Arial"/>
               </a:rPr>
               <a:t> </a:t>
             </a:r>
@@ -7756,6 +6637,7 @@
                   <a:schemeClr val="dk1"/>
                 </a:solidFill>
                 <a:latin typeface="Arial"/>
+                <a:ea typeface="Arial"/>
               </a:rPr>
               <a:t> </a:t>
             </a:r>
@@ -7819,14 +6701,14 @@
       </p:grpSpPr>
       <p:sp>
         <p:nvSpPr>
-          <p:cNvPr id="44" name="Google Shape;67;p15"/>
+          <p:cNvPr id="35" name="Google Shape;67;p15"/>
           <p:cNvSpPr/>
           <p:nvPr/>
         </p:nvSpPr>
         <p:spPr>
           <a:xfrm>
             <a:off x="134280" y="402480"/>
-            <a:ext cx="4437720" cy="5009040"/>
+            <a:ext cx="4437360" cy="5008680"/>
           </a:xfrm>
           <a:prstGeom prst="rect">
             <a:avLst/>
@@ -7843,7 +6725,7 @@
           <a:fontRef idx="minor"/>
         </p:style>
         <p:txBody>
-          <a:bodyPr tIns="91440" bIns="91440" anchor="t">
+          <a:bodyPr lIns="90000" rIns="90000" tIns="91440" bIns="91440" anchor="t">
             <a:noAutofit/>
           </a:bodyPr>
           <a:p>
@@ -7911,6 +6793,7 @@
                   <a:schemeClr val="dk1"/>
                 </a:solidFill>
                 <a:latin typeface="Arial"/>
+                <a:ea typeface="Arial"/>
               </a:rPr>
               <a:t> </a:t>
             </a:r>
@@ -7954,6 +6837,7 @@
                   <a:schemeClr val="dk1"/>
                 </a:solidFill>
                 <a:latin typeface="Arial"/>
+                <a:ea typeface="Arial"/>
               </a:rPr>
               <a:t> </a:t>
             </a:r>
@@ -7997,6 +6881,7 @@
                   <a:schemeClr val="dk1"/>
                 </a:solidFill>
                 <a:latin typeface="Arial"/>
+                <a:ea typeface="Arial"/>
               </a:rPr>
               <a:t> </a:t>
             </a:r>
@@ -8072,6 +6957,7 @@
                   <a:schemeClr val="dk1"/>
                 </a:solidFill>
                 <a:latin typeface="Arial"/>
+                <a:ea typeface="Arial"/>
               </a:rPr>
               <a:t> </a:t>
             </a:r>
@@ -8155,14 +7041,14 @@
       </p:sp>
       <p:sp>
         <p:nvSpPr>
-          <p:cNvPr id="45" name="Google Shape;68;p15"/>
+          <p:cNvPr id="36" name="Google Shape;68;p15"/>
           <p:cNvSpPr/>
           <p:nvPr/>
         </p:nvSpPr>
         <p:spPr>
           <a:xfrm>
             <a:off x="5011560" y="261720"/>
-            <a:ext cx="4132080" cy="4740480"/>
+            <a:ext cx="4131720" cy="4740120"/>
           </a:xfrm>
           <a:prstGeom prst="rect">
             <a:avLst/>
@@ -8179,7 +7065,7 @@
           <a:fontRef idx="minor"/>
         </p:style>
         <p:txBody>
-          <a:bodyPr tIns="91440" bIns="91440" anchor="t">
+          <a:bodyPr lIns="90000" rIns="90000" tIns="91440" bIns="91440" anchor="t">
             <a:noAutofit/>
           </a:bodyPr>
           <a:p>
@@ -8247,6 +7133,7 @@
                   <a:schemeClr val="dk1"/>
                 </a:solidFill>
                 <a:latin typeface="Arial"/>
+                <a:ea typeface="Arial"/>
               </a:rPr>
               <a:t> </a:t>
             </a:r>
@@ -8279,7 +7166,7 @@
                 <a:latin typeface="Arial"/>
                 <a:ea typeface="Arial"/>
               </a:rPr>
-              <a:t>alternative: socket-uri, pipe-uri anonime, mesaje POSIX</a:t>
+              <a:t>alternative: socket-uri, pipe-uri anonime</a:t>
             </a:r>
             <a:br>
               <a:rPr sz="1100"/>
@@ -8290,6 +7177,7 @@
                   <a:schemeClr val="dk1"/>
                 </a:solidFill>
                 <a:latin typeface="Arial"/>
+                <a:ea typeface="Arial"/>
               </a:rPr>
               <a:t> </a:t>
             </a:r>
@@ -8333,6 +7221,7 @@
                   <a:schemeClr val="dk1"/>
                 </a:solidFill>
                 <a:latin typeface="Arial"/>
+                <a:ea typeface="Arial"/>
               </a:rPr>
               <a:t> </a:t>
             </a:r>
@@ -8408,6 +7297,7 @@
                   <a:schemeClr val="dk1"/>
                 </a:solidFill>
                 <a:latin typeface="Arial"/>
+                <a:ea typeface="Arial"/>
               </a:rPr>
               <a:t> </a:t>
             </a:r>
@@ -8451,6 +7341,7 @@
                   <a:schemeClr val="dk1"/>
                 </a:solidFill>
                 <a:latin typeface="Arial"/>
+                <a:ea typeface="Arial"/>
               </a:rPr>
               <a:t> </a:t>
             </a:r>
@@ -8494,6 +7385,7 @@
                   <a:schemeClr val="dk1"/>
                 </a:solidFill>
                 <a:latin typeface="Arial"/>
+                <a:ea typeface="Arial"/>
               </a:rPr>
               <a:t> </a:t>
             </a:r>
@@ -8537,6 +7429,7 @@
                   <a:schemeClr val="dk1"/>
                 </a:solidFill>
                 <a:latin typeface="Arial"/>
+                <a:ea typeface="Arial"/>
               </a:rPr>
               <a:t> </a:t>
             </a:r>
@@ -8600,7 +7493,7 @@
       </p:grpSpPr>
       <p:sp>
         <p:nvSpPr>
-          <p:cNvPr id="46" name="PlaceHolder 1"/>
+          <p:cNvPr id="37" name="PlaceHolder 1"/>
           <p:cNvSpPr>
             <a:spLocks noGrp="1"/>
           </p:cNvSpPr>
@@ -8611,7 +7504,7 @@
         <p:spPr>
           <a:xfrm>
             <a:off x="1644120" y="0"/>
-            <a:ext cx="4776120" cy="641520"/>
+            <a:ext cx="4775760" cy="641160"/>
           </a:xfrm>
           <a:prstGeom prst="rect">
             <a:avLst/>
@@ -8623,7 +7516,7 @@
         </p:spPr>
         <p:txBody>
           <a:bodyPr lIns="91440" rIns="91440" tIns="91440" bIns="91440" anchor="b">
-            <a:normAutofit fontScale="71555"/>
+            <a:normAutofit fontScale="70000"/>
           </a:bodyPr>
           <a:p>
             <a:pPr indent="0" algn="ctr">
@@ -8659,14 +7552,14 @@
       </p:sp>
       <p:sp>
         <p:nvSpPr>
-          <p:cNvPr id="47" name="Google Shape;74;p16"/>
+          <p:cNvPr id="38" name="Google Shape;74;p16"/>
           <p:cNvSpPr/>
           <p:nvPr/>
         </p:nvSpPr>
         <p:spPr>
           <a:xfrm>
             <a:off x="69480" y="675360"/>
-            <a:ext cx="4502520" cy="4583880"/>
+            <a:ext cx="4502160" cy="4583520"/>
           </a:xfrm>
           <a:prstGeom prst="rect">
             <a:avLst/>
@@ -8683,7 +7576,7 @@
           <a:fontRef idx="minor"/>
         </p:style>
         <p:txBody>
-          <a:bodyPr tIns="91440" bIns="91440" anchor="t">
+          <a:bodyPr lIns="90000" rIns="90000" tIns="91440" bIns="91440" anchor="t">
             <a:noAutofit/>
           </a:bodyPr>
           <a:p>
@@ -8751,6 +7644,7 @@
                   <a:schemeClr val="dk1"/>
                 </a:solidFill>
                 <a:latin typeface="Arial"/>
+                <a:ea typeface="Arial"/>
               </a:rPr>
               <a:t> </a:t>
             </a:r>
@@ -8794,6 +7688,7 @@
                   <a:schemeClr val="dk1"/>
                 </a:solidFill>
                 <a:latin typeface="Arial"/>
+                <a:ea typeface="Arial"/>
               </a:rPr>
               <a:t> </a:t>
             </a:r>
@@ -8837,6 +7732,7 @@
                   <a:schemeClr val="dk1"/>
                 </a:solidFill>
                 <a:latin typeface="Arial"/>
+                <a:ea typeface="Arial"/>
               </a:rPr>
               <a:t> </a:t>
             </a:r>
@@ -8912,6 +7808,7 @@
                   <a:schemeClr val="dk1"/>
                 </a:solidFill>
                 <a:latin typeface="Arial"/>
+                <a:ea typeface="Arial"/>
               </a:rPr>
               <a:t> </a:t>
             </a:r>
@@ -8955,6 +7852,7 @@
                   <a:schemeClr val="dk1"/>
                 </a:solidFill>
                 <a:latin typeface="Arial"/>
+                <a:ea typeface="Arial"/>
               </a:rPr>
               <a:t> </a:t>
             </a:r>
@@ -9029,14 +7927,14 @@
       </p:sp>
       <p:sp>
         <p:nvSpPr>
-          <p:cNvPr id="48" name="Google Shape;75;p16"/>
+          <p:cNvPr id="39" name="Google Shape;75;p16"/>
           <p:cNvSpPr/>
           <p:nvPr/>
         </p:nvSpPr>
         <p:spPr>
           <a:xfrm>
             <a:off x="4709520" y="675360"/>
-            <a:ext cx="4502520" cy="4266720"/>
+            <a:ext cx="4502160" cy="4266360"/>
           </a:xfrm>
           <a:prstGeom prst="rect">
             <a:avLst/>
@@ -9053,7 +7951,7 @@
           <a:fontRef idx="minor"/>
         </p:style>
         <p:txBody>
-          <a:bodyPr tIns="91440" bIns="91440" anchor="t">
+          <a:bodyPr lIns="90000" rIns="90000" tIns="91440" bIns="91440" anchor="t">
             <a:noAutofit/>
           </a:bodyPr>
           <a:p>
@@ -9121,6 +8019,7 @@
                   <a:schemeClr val="dk1"/>
                 </a:solidFill>
                 <a:latin typeface="Arial"/>
+                <a:ea typeface="Arial"/>
               </a:rPr>
               <a:t> </a:t>
             </a:r>
@@ -9164,6 +8063,7 @@
                   <a:schemeClr val="dk1"/>
                 </a:solidFill>
                 <a:latin typeface="Arial"/>
+                <a:ea typeface="Arial"/>
               </a:rPr>
               <a:t> </a:t>
             </a:r>
@@ -9207,6 +8107,7 @@
                   <a:schemeClr val="dk1"/>
                 </a:solidFill>
                 <a:latin typeface="Arial"/>
+                <a:ea typeface="Arial"/>
               </a:rPr>
               <a:t> </a:t>
             </a:r>
@@ -9282,6 +8183,7 @@
                   <a:schemeClr val="dk1"/>
                 </a:solidFill>
                 <a:latin typeface="Arial"/>
+                <a:ea typeface="Arial"/>
               </a:rPr>
               <a:t> </a:t>
             </a:r>
@@ -9325,6 +8227,7 @@
                   <a:schemeClr val="dk1"/>
                 </a:solidFill>
                 <a:latin typeface="Arial"/>
+                <a:ea typeface="Arial"/>
               </a:rPr>
               <a:t> </a:t>
             </a:r>
@@ -9400,14 +8303,14 @@
       </p:grpSpPr>
       <p:sp>
         <p:nvSpPr>
-          <p:cNvPr id="49" name="Google Shape;80;p17"/>
+          <p:cNvPr id="40" name="Google Shape;80;p17"/>
           <p:cNvSpPr/>
           <p:nvPr/>
         </p:nvSpPr>
         <p:spPr>
           <a:xfrm>
             <a:off x="80640" y="71640"/>
-            <a:ext cx="4491360" cy="3208680"/>
+            <a:ext cx="4491000" cy="3208320"/>
           </a:xfrm>
           <a:prstGeom prst="rect">
             <a:avLst/>
@@ -9424,7 +8327,7 @@
           <a:fontRef idx="minor"/>
         </p:style>
         <p:txBody>
-          <a:bodyPr tIns="91440" bIns="91440" anchor="t">
+          <a:bodyPr lIns="90000" rIns="90000" tIns="91440" bIns="91440" anchor="t">
             <a:noAutofit/>
           </a:bodyPr>
           <a:p>
@@ -9492,6 +8395,7 @@
                   <a:schemeClr val="dk1"/>
                 </a:solidFill>
                 <a:latin typeface="Arial"/>
+                <a:ea typeface="Arial"/>
               </a:rPr>
               <a:t> </a:t>
             </a:r>
@@ -9535,6 +8439,7 @@
                   <a:schemeClr val="dk1"/>
                 </a:solidFill>
                 <a:latin typeface="Arial"/>
+                <a:ea typeface="Arial"/>
               </a:rPr>
               <a:t> </a:t>
             </a:r>
@@ -9578,6 +8483,7 @@
                   <a:schemeClr val="dk1"/>
                 </a:solidFill>
                 <a:latin typeface="Arial"/>
+                <a:ea typeface="Arial"/>
               </a:rPr>
               <a:t> </a:t>
             </a:r>
@@ -9653,6 +8559,7 @@
                   <a:schemeClr val="dk1"/>
                 </a:solidFill>
                 <a:latin typeface="Arial"/>
+                <a:ea typeface="Arial"/>
               </a:rPr>
               <a:t> </a:t>
             </a:r>
@@ -9716,6 +8623,7 @@
                   <a:schemeClr val="dk1"/>
                 </a:solidFill>
                 <a:latin typeface="Arial"/>
+                <a:ea typeface="Arial"/>
               </a:rPr>
               <a:t> </a:t>
             </a:r>
@@ -9790,14 +8698,14 @@
       </p:sp>
       <p:sp>
         <p:nvSpPr>
-          <p:cNvPr id="50" name="Google Shape;81;p17"/>
+          <p:cNvPr id="41" name="Google Shape;81;p17"/>
           <p:cNvSpPr/>
           <p:nvPr/>
         </p:nvSpPr>
         <p:spPr>
           <a:xfrm>
             <a:off x="4653720" y="82800"/>
-            <a:ext cx="4628880" cy="3208680"/>
+            <a:ext cx="4628520" cy="3208320"/>
           </a:xfrm>
           <a:prstGeom prst="rect">
             <a:avLst/>
@@ -9814,7 +8722,7 @@
           <a:fontRef idx="minor"/>
         </p:style>
         <p:txBody>
-          <a:bodyPr tIns="91440" bIns="91440" anchor="t">
+          <a:bodyPr lIns="90000" rIns="90000" tIns="91440" bIns="91440" anchor="t">
             <a:noAutofit/>
           </a:bodyPr>
           <a:p>
@@ -9882,6 +8790,7 @@
                   <a:schemeClr val="dk1"/>
                 </a:solidFill>
                 <a:latin typeface="Arial"/>
+                <a:ea typeface="Arial"/>
               </a:rPr>
               <a:t> </a:t>
             </a:r>
@@ -9925,6 +8834,7 @@
                   <a:schemeClr val="dk1"/>
                 </a:solidFill>
                 <a:latin typeface="Arial"/>
+                <a:ea typeface="Arial"/>
               </a:rPr>
               <a:t> </a:t>
             </a:r>
@@ -9988,6 +8898,7 @@
                   <a:schemeClr val="dk1"/>
                 </a:solidFill>
                 <a:latin typeface="Arial"/>
+                <a:ea typeface="Arial"/>
               </a:rPr>
               <a:t> </a:t>
             </a:r>
@@ -10063,6 +8974,7 @@
                   <a:schemeClr val="dk1"/>
                 </a:solidFill>
                 <a:latin typeface="Arial"/>
+                <a:ea typeface="Arial"/>
               </a:rPr>
               <a:t> </a:t>
             </a:r>
@@ -10106,6 +9018,7 @@
                   <a:schemeClr val="dk1"/>
                 </a:solidFill>
                 <a:latin typeface="Arial"/>
+                <a:ea typeface="Arial"/>
               </a:rPr>
               <a:t> </a:t>
             </a:r>
@@ -10200,7 +9113,7 @@
       </p:grpSpPr>
       <p:sp>
         <p:nvSpPr>
-          <p:cNvPr id="51" name="PlaceHolder 1"/>
+          <p:cNvPr id="42" name="PlaceHolder 1"/>
           <p:cNvSpPr>
             <a:spLocks noGrp="1"/>
           </p:cNvSpPr>
@@ -10211,7 +9124,7 @@
         <p:spPr>
           <a:xfrm>
             <a:off x="406080" y="326520"/>
-            <a:ext cx="4259880" cy="572400"/>
+            <a:ext cx="4259520" cy="572040"/>
           </a:xfrm>
           <a:prstGeom prst="rect">
             <a:avLst/>
@@ -10223,7 +9136,7 @@
         </p:spPr>
         <p:txBody>
           <a:bodyPr lIns="91440" rIns="91440" tIns="91440" bIns="91440" anchor="t">
-            <a:normAutofit fontScale="93550"/>
+            <a:normAutofit fontScale="93333"/>
           </a:bodyPr>
           <a:p>
             <a:pPr indent="0" algn="ctr">
@@ -10256,7 +9169,7 @@
       </p:sp>
       <p:sp>
         <p:nvSpPr>
-          <p:cNvPr id="52" name="PlaceHolder 2"/>
+          <p:cNvPr id="43" name="PlaceHolder 2"/>
           <p:cNvSpPr>
             <a:spLocks noGrp="1"/>
           </p:cNvSpPr>
@@ -10267,7 +9180,7 @@
         <p:spPr>
           <a:xfrm>
             <a:off x="311760" y="1152360"/>
-            <a:ext cx="4448520" cy="3416040"/>
+            <a:ext cx="4448160" cy="3415680"/>
           </a:xfrm>
           <a:prstGeom prst="rect">
             <a:avLst/>
@@ -10357,6 +9270,7 @@
                   <a:schemeClr val="dk1"/>
                 </a:solidFill>
                 <a:latin typeface="Arial"/>
+                <a:ea typeface="Arial"/>
               </a:rPr>
               <a:t> </a:t>
             </a:r>
@@ -10410,6 +9324,7 @@
                   <a:schemeClr val="dk1"/>
                 </a:solidFill>
                 <a:latin typeface="Arial"/>
+                <a:ea typeface="Arial"/>
               </a:rPr>
               <a:t> </a:t>
             </a:r>
@@ -10453,6 +9368,7 @@
                   <a:schemeClr val="dk1"/>
                 </a:solidFill>
                 <a:latin typeface="Arial"/>
+                <a:ea typeface="Arial"/>
               </a:rPr>
               <a:t> </a:t>
             </a:r>
@@ -10506,6 +9422,7 @@
                   <a:schemeClr val="dk1"/>
                 </a:solidFill>
                 <a:latin typeface="Arial"/>
+                <a:ea typeface="Arial"/>
               </a:rPr>
               <a:t> </a:t>
             </a:r>
@@ -10559,6 +9476,7 @@
                   <a:schemeClr val="dk1"/>
                 </a:solidFill>
                 <a:latin typeface="Arial"/>
+                <a:ea typeface="Arial"/>
               </a:rPr>
               <a:t> </a:t>
             </a:r>
@@ -10614,14 +9532,14 @@
       </p:sp>
       <p:sp>
         <p:nvSpPr>
-          <p:cNvPr id="53" name="Google Shape;88;p18"/>
+          <p:cNvPr id="44" name="Google Shape;88;p18"/>
           <p:cNvSpPr/>
           <p:nvPr/>
         </p:nvSpPr>
         <p:spPr>
           <a:xfrm>
             <a:off x="4232160" y="1584000"/>
-            <a:ext cx="4904640" cy="461520"/>
+            <a:ext cx="4904280" cy="461160"/>
           </a:xfrm>
           <a:prstGeom prst="rect">
             <a:avLst/>
@@ -10638,7 +9556,7 @@
           <a:fontRef idx="minor"/>
         </p:style>
         <p:txBody>
-          <a:bodyPr tIns="91440" bIns="91440" anchor="t">
+          <a:bodyPr lIns="90000" rIns="90000" tIns="91440" bIns="91440" anchor="t">
             <a:spAutoFit/>
           </a:bodyPr>
           <a:p>
@@ -10661,14 +9579,14 @@
       </p:sp>
       <p:sp>
         <p:nvSpPr>
-          <p:cNvPr id="54" name="Google Shape;89;p18"/>
+          <p:cNvPr id="45" name="Google Shape;89;p18"/>
           <p:cNvSpPr/>
           <p:nvPr/>
         </p:nvSpPr>
         <p:spPr>
           <a:xfrm>
             <a:off x="4624200" y="326520"/>
-            <a:ext cx="4351320" cy="4202280"/>
+            <a:ext cx="4350960" cy="4202280"/>
           </a:xfrm>
           <a:prstGeom prst="rect">
             <a:avLst/>
@@ -10685,7 +9603,7 @@
           <a:fontRef idx="minor"/>
         </p:style>
         <p:txBody>
-          <a:bodyPr tIns="91440" bIns="91440" anchor="t">
+          <a:bodyPr lIns="90000" rIns="90000" tIns="91440" bIns="91440" anchor="t">
             <a:spAutoFit/>
           </a:bodyPr>
           <a:p>
@@ -10783,6 +9701,7 @@
                   <a:schemeClr val="dk1"/>
                 </a:solidFill>
                 <a:latin typeface="Arial"/>
+                <a:ea typeface="Arial"/>
               </a:rPr>
               <a:t> </a:t>
             </a:r>
@@ -10826,6 +9745,7 @@
                   <a:schemeClr val="dk1"/>
                 </a:solidFill>
                 <a:latin typeface="Arial"/>
+                <a:ea typeface="Arial"/>
               </a:rPr>
               <a:t> </a:t>
             </a:r>
@@ -10879,6 +9799,7 @@
                   <a:schemeClr val="dk1"/>
                 </a:solidFill>
                 <a:latin typeface="Arial"/>
+                <a:ea typeface="Arial"/>
               </a:rPr>
               <a:t> </a:t>
             </a:r>
@@ -10932,6 +9853,7 @@
                   <a:schemeClr val="dk1"/>
                 </a:solidFill>
                 <a:latin typeface="Arial"/>
+                <a:ea typeface="Arial"/>
               </a:rPr>
               <a:t> </a:t>
             </a:r>
@@ -11038,6 +9960,7 @@
                   <a:schemeClr val="dk1"/>
                 </a:solidFill>
                 <a:latin typeface="Arial"/>
+                <a:ea typeface="Arial"/>
               </a:rPr>
               <a:t> </a:t>
             </a:r>
@@ -11081,6 +10004,7 @@
                   <a:schemeClr val="dk1"/>
                 </a:solidFill>
                 <a:latin typeface="Arial"/>
+                <a:ea typeface="Arial"/>
               </a:rPr>
               <a:t> </a:t>
             </a:r>
@@ -11156,7 +10080,7 @@
       </p:grpSpPr>
       <p:sp>
         <p:nvSpPr>
-          <p:cNvPr id="55" name="PlaceHolder 1"/>
+          <p:cNvPr id="46" name="PlaceHolder 1"/>
           <p:cNvSpPr>
             <a:spLocks noGrp="1"/>
           </p:cNvSpPr>
@@ -11167,7 +10091,7 @@
         <p:spPr>
           <a:xfrm>
             <a:off x="279000" y="119160"/>
-            <a:ext cx="8520120" cy="3416040"/>
+            <a:ext cx="8519760" cy="3415680"/>
           </a:xfrm>
           <a:prstGeom prst="rect">
             <a:avLst/>
@@ -11267,6 +10191,7 @@
                   <a:schemeClr val="dk1"/>
                 </a:solidFill>
                 <a:latin typeface="Arial"/>
+                <a:ea typeface="Arial"/>
               </a:rPr>
               <a:t> </a:t>
             </a:r>
@@ -11383,6 +10308,7 @@
                   <a:schemeClr val="dk1"/>
                 </a:solidFill>
                 <a:latin typeface="Arial"/>
+                <a:ea typeface="Arial"/>
               </a:rPr>
               <a:t> </a:t>
             </a:r>
@@ -11426,6 +10352,7 @@
                   <a:schemeClr val="dk1"/>
                 </a:solidFill>
                 <a:latin typeface="Arial"/>
+                <a:ea typeface="Arial"/>
               </a:rPr>
               <a:t> </a:t>
             </a:r>
@@ -11494,7 +10421,7 @@
       </p:sp>
       <p:pic>
         <p:nvPicPr>
-          <p:cNvPr id="56" name="Google Shape;95;p19" descr=""/>
+          <p:cNvPr id="47" name="Google Shape;95;p19" descr=""/>
           <p:cNvPicPr/>
           <p:nvPr/>
         </p:nvPicPr>
@@ -11505,7 +10432,7 @@
         <p:spPr>
           <a:xfrm>
             <a:off x="1464120" y="2850840"/>
-            <a:ext cx="6215040" cy="2266920"/>
+            <a:ext cx="6214680" cy="2266560"/>
           </a:xfrm>
           <a:prstGeom prst="rect">
             <a:avLst/>
@@ -11547,7 +10474,7 @@
       </p:grpSpPr>
       <p:sp>
         <p:nvSpPr>
-          <p:cNvPr id="57" name="PlaceHolder 1"/>
+          <p:cNvPr id="48" name="PlaceHolder 1"/>
           <p:cNvSpPr>
             <a:spLocks noGrp="1"/>
           </p:cNvSpPr>
@@ -11558,7 +10485,7 @@
         <p:spPr>
           <a:xfrm>
             <a:off x="311760" y="311040"/>
-            <a:ext cx="4014000" cy="572400"/>
+            <a:ext cx="4013640" cy="572040"/>
           </a:xfrm>
           <a:prstGeom prst="rect">
             <a:avLst/>
@@ -11570,7 +10497,7 @@
         </p:spPr>
         <p:txBody>
           <a:bodyPr lIns="91440" rIns="91440" tIns="91440" bIns="91440" anchor="t">
-            <a:normAutofit fontScale="93550"/>
+            <a:normAutofit fontScale="93333"/>
           </a:bodyPr>
           <a:p>
             <a:pPr indent="0" algn="ctr">
@@ -11603,7 +10530,7 @@
       </p:sp>
       <p:sp>
         <p:nvSpPr>
-          <p:cNvPr id="58" name="PlaceHolder 2"/>
+          <p:cNvPr id="49" name="PlaceHolder 2"/>
           <p:cNvSpPr>
             <a:spLocks noGrp="1"/>
           </p:cNvSpPr>
@@ -11614,7 +10541,7 @@
         <p:spPr>
           <a:xfrm>
             <a:off x="311760" y="863640"/>
-            <a:ext cx="8520120" cy="4092120"/>
+            <a:ext cx="8519760" cy="4091760"/>
           </a:xfrm>
           <a:prstGeom prst="rect">
             <a:avLst/>
@@ -11694,6 +10621,7 @@
                   <a:schemeClr val="dk1"/>
                 </a:solidFill>
                 <a:latin typeface="Arial"/>
+                <a:ea typeface="Arial"/>
               </a:rPr>
               <a:t> </a:t>
             </a:r>
@@ -11737,6 +10665,7 @@
                   <a:schemeClr val="dk1"/>
                 </a:solidFill>
                 <a:latin typeface="Arial"/>
+                <a:ea typeface="Arial"/>
               </a:rPr>
               <a:t> </a:t>
             </a:r>
@@ -11780,6 +10709,7 @@
                   <a:schemeClr val="dk1"/>
                 </a:solidFill>
                 <a:latin typeface="Arial"/>
+                <a:ea typeface="Arial"/>
               </a:rPr>
               <a:t> </a:t>
             </a:r>
@@ -11823,6 +10753,7 @@
                   <a:schemeClr val="dk1"/>
                 </a:solidFill>
                 <a:latin typeface="Arial"/>
+                <a:ea typeface="Arial"/>
               </a:rPr>
               <a:t> </a:t>
             </a:r>
@@ -11866,6 +10797,7 @@
                   <a:schemeClr val="dk1"/>
                 </a:solidFill>
                 <a:latin typeface="Arial"/>
+                <a:ea typeface="Arial"/>
               </a:rPr>
               <a:t> </a:t>
             </a:r>
@@ -11909,6 +10841,7 @@
                   <a:schemeClr val="dk1"/>
                 </a:solidFill>
                 <a:latin typeface="Arial"/>
+                <a:ea typeface="Arial"/>
               </a:rPr>
               <a:t> </a:t>
             </a:r>
@@ -11952,6 +10885,7 @@
                   <a:schemeClr val="dk1"/>
                 </a:solidFill>
                 <a:latin typeface="Arial"/>
+                <a:ea typeface="Arial"/>
               </a:rPr>
               <a:t> </a:t>
             </a:r>
@@ -11995,6 +10929,7 @@
                   <a:schemeClr val="dk1"/>
                 </a:solidFill>
                 <a:latin typeface="Arial"/>
+                <a:ea typeface="Arial"/>
               </a:rPr>
               <a:t> </a:t>
             </a:r>
@@ -12038,6 +10973,7 @@
                   <a:schemeClr val="dk1"/>
                 </a:solidFill>
                 <a:latin typeface="Arial"/>
+                <a:ea typeface="Arial"/>
               </a:rPr>
               <a:t> </a:t>
             </a:r>
@@ -12081,6 +11017,7 @@
                   <a:schemeClr val="dk1"/>
                 </a:solidFill>
                 <a:latin typeface="Arial"/>
+                <a:ea typeface="Arial"/>
               </a:rPr>
               <a:t> </a:t>
             </a:r>
@@ -12124,6 +11061,7 @@
                   <a:schemeClr val="dk1"/>
                 </a:solidFill>
                 <a:latin typeface="Arial"/>
+                <a:ea typeface="Arial"/>
               </a:rPr>
               <a:t> </a:t>
             </a:r>
@@ -12167,6 +11105,7 @@
                   <a:schemeClr val="dk1"/>
                 </a:solidFill>
                 <a:latin typeface="Arial"/>
+                <a:ea typeface="Arial"/>
               </a:rPr>
               <a:t> </a:t>
             </a:r>
@@ -12210,6 +11149,7 @@
                   <a:schemeClr val="dk1"/>
                 </a:solidFill>
                 <a:latin typeface="Arial"/>
+                <a:ea typeface="Arial"/>
               </a:rPr>
               <a:t> </a:t>
             </a:r>
@@ -12255,14 +11195,14 @@
       </p:sp>
       <p:sp>
         <p:nvSpPr>
-          <p:cNvPr id="59" name="Google Shape;102;p20"/>
+          <p:cNvPr id="50" name="Google Shape;102;p20"/>
           <p:cNvSpPr/>
           <p:nvPr/>
         </p:nvSpPr>
         <p:spPr>
           <a:xfrm>
             <a:off x="4326120" y="311040"/>
-            <a:ext cx="4623840" cy="3139920"/>
+            <a:ext cx="4623480" cy="3139920"/>
           </a:xfrm>
           <a:prstGeom prst="rect">
             <a:avLst/>
@@ -12279,7 +11219,7 @@
           <a:fontRef idx="minor"/>
         </p:style>
         <p:txBody>
-          <a:bodyPr tIns="91440" bIns="91440" anchor="t">
+          <a:bodyPr lIns="90000" rIns="90000" tIns="91440" bIns="91440" anchor="t">
             <a:spAutoFit/>
           </a:bodyPr>
           <a:p>
@@ -12347,6 +11287,7 @@
                   <a:schemeClr val="dk1"/>
                 </a:solidFill>
                 <a:latin typeface="Arial"/>
+                <a:ea typeface="Arial"/>
               </a:rPr>
               <a:t> </a:t>
             </a:r>
@@ -12390,6 +11331,7 @@
                   <a:schemeClr val="dk1"/>
                 </a:solidFill>
                 <a:latin typeface="Arial"/>
+                <a:ea typeface="Arial"/>
               </a:rPr>
               <a:t> </a:t>
             </a:r>
@@ -12443,6 +11385,7 @@
                   <a:schemeClr val="dk1"/>
                 </a:solidFill>
                 <a:latin typeface="Arial"/>
+                <a:ea typeface="Arial"/>
               </a:rPr>
               <a:t> </a:t>
             </a:r>
@@ -12536,6 +11479,7 @@
                   <a:schemeClr val="dk1"/>
                 </a:solidFill>
                 <a:latin typeface="Arial"/>
+                <a:ea typeface="Arial"/>
               </a:rPr>
               <a:t> </a:t>
             </a:r>
@@ -12589,6 +11533,7 @@
                   <a:schemeClr val="dk1"/>
                 </a:solidFill>
                 <a:latin typeface="Arial"/>
+                <a:ea typeface="Arial"/>
               </a:rPr>
               <a:t> </a:t>
             </a:r>
@@ -12642,6 +11587,7 @@
                   <a:schemeClr val="dk1"/>
                 </a:solidFill>
                 <a:latin typeface="Arial"/>
+                <a:ea typeface="Arial"/>
               </a:rPr>
               <a:t> </a:t>
             </a:r>
@@ -12705,6 +11651,7 @@
                   <a:schemeClr val="dk1"/>
                 </a:solidFill>
                 <a:latin typeface="Arial"/>
+                <a:ea typeface="Arial"/>
               </a:rPr>
               <a:t> </a:t>
             </a:r>
@@ -12780,14 +11727,14 @@
       </p:grpSpPr>
       <p:sp>
         <p:nvSpPr>
-          <p:cNvPr id="60" name="Google Shape;107;p21"/>
+          <p:cNvPr id="51" name="Google Shape;107;p21"/>
           <p:cNvSpPr/>
           <p:nvPr/>
         </p:nvSpPr>
         <p:spPr>
           <a:xfrm>
             <a:off x="262800" y="1055520"/>
-            <a:ext cx="4104360" cy="3031560"/>
+            <a:ext cx="4104000" cy="3031560"/>
           </a:xfrm>
           <a:prstGeom prst="rect">
             <a:avLst/>
@@ -12804,7 +11751,7 @@
           <a:fontRef idx="minor"/>
         </p:style>
         <p:txBody>
-          <a:bodyPr tIns="91440" bIns="91440" anchor="t">
+          <a:bodyPr lIns="90000" rIns="90000" tIns="91440" bIns="91440" anchor="t">
             <a:spAutoFit/>
           </a:bodyPr>
           <a:p>
@@ -12872,6 +11819,7 @@
                   <a:schemeClr val="dk1"/>
                 </a:solidFill>
                 <a:latin typeface="Arial"/>
+                <a:ea typeface="Arial"/>
               </a:rPr>
               <a:t> </a:t>
             </a:r>
@@ -12915,6 +11863,7 @@
                   <a:schemeClr val="dk1"/>
                 </a:solidFill>
                 <a:latin typeface="Arial"/>
+                <a:ea typeface="Arial"/>
               </a:rPr>
               <a:t> </a:t>
             </a:r>
@@ -12958,6 +11907,7 @@
                   <a:schemeClr val="dk1"/>
                 </a:solidFill>
                 <a:latin typeface="Arial"/>
+                <a:ea typeface="Arial"/>
               </a:rPr>
               <a:t> </a:t>
             </a:r>
@@ -13001,6 +11951,7 @@
                   <a:schemeClr val="dk1"/>
                 </a:solidFill>
                 <a:latin typeface="Arial"/>
+                <a:ea typeface="Arial"/>
               </a:rPr>
               <a:t> </a:t>
             </a:r>
@@ -13015,14 +11966,14 @@
       </p:sp>
       <p:sp>
         <p:nvSpPr>
-          <p:cNvPr id="61" name="Google Shape;108;p21"/>
+          <p:cNvPr id="52" name="Google Shape;108;p21"/>
           <p:cNvSpPr/>
           <p:nvPr/>
         </p:nvSpPr>
         <p:spPr>
           <a:xfrm>
             <a:off x="4448880" y="1179360"/>
-            <a:ext cx="4512960" cy="2786400"/>
+            <a:ext cx="4512600" cy="2786400"/>
           </a:xfrm>
           <a:prstGeom prst="rect">
             <a:avLst/>
@@ -13039,7 +11990,7 @@
           <a:fontRef idx="minor"/>
         </p:style>
         <p:txBody>
-          <a:bodyPr tIns="91440" bIns="91440" anchor="t">
+          <a:bodyPr lIns="90000" rIns="90000" tIns="91440" bIns="91440" anchor="t">
             <a:spAutoFit/>
           </a:bodyPr>
           <a:p>
@@ -13127,6 +12078,7 @@
                   <a:schemeClr val="dk1"/>
                 </a:solidFill>
                 <a:latin typeface="Arial"/>
+                <a:ea typeface="Arial"/>
               </a:rPr>
               <a:t> </a:t>
             </a:r>
@@ -13180,6 +12132,7 @@
                   <a:schemeClr val="dk1"/>
                 </a:solidFill>
                 <a:latin typeface="Arial"/>
+                <a:ea typeface="Arial"/>
               </a:rPr>
               <a:t> </a:t>
             </a:r>
@@ -13223,6 +12176,7 @@
                   <a:schemeClr val="dk1"/>
                 </a:solidFill>
                 <a:latin typeface="Arial"/>
+                <a:ea typeface="Arial"/>
               </a:rPr>
               <a:t> </a:t>
             </a:r>
@@ -13276,6 +12230,7 @@
                   <a:srgbClr val="188038"/>
                 </a:solidFill>
                 <a:latin typeface="Roboto Mono"/>
+                <a:ea typeface="Roboto Mono"/>
               </a:rPr>
               <a:t> </a:t>
             </a:r>
